--- a/Bilibili_Course/LLM/PowerPoint/【论文导读】大语言模型综述（二）：GPT系列的技术发展历程.pptx
+++ b/Bilibili_Course/LLM/PowerPoint/【论文导读】大语言模型综述（二）：GPT系列的技术发展历程.pptx
@@ -5,11 +5,15 @@
     <p:sldMasterId id="2147483648" r:id="rId1"/>
   </p:sldMasterIdLst>
   <p:notesMasterIdLst>
-    <p:notesMasterId r:id="rId4"/>
+    <p:notesMasterId r:id="rId8"/>
   </p:notesMasterIdLst>
   <p:sldIdLst>
     <p:sldId id="257" r:id="rId2"/>
     <p:sldId id="258" r:id="rId3"/>
+    <p:sldId id="259" r:id="rId4"/>
+    <p:sldId id="260" r:id="rId5"/>
+    <p:sldId id="261" r:id="rId6"/>
+    <p:sldId id="262" r:id="rId7"/>
   </p:sldIdLst>
   <p:sldSz cx="12192000" cy="6858000"/>
   <p:notesSz cx="6858000" cy="9144000"/>
@@ -108,6 +112,11 @@
       </a:defRPr>
     </a:lvl9pPr>
   </p:defaultTextStyle>
+  <p:extLst>
+    <p:ext uri="{EFAFB233-063F-42B5-8137-9DF3F51BA10A}">
+      <p15:sldGuideLst xmlns:p15="http://schemas.microsoft.com/office/powerpoint/2012/main"/>
+    </p:ext>
+  </p:extLst>
 </p:presentation>
 </file>
 
@@ -193,7 +202,7 @@
           <a:p>
             <a:fld id="{C5890099-C40B-4CCB-919B-5A7CB58D3CD6}" type="datetimeFigureOut">
               <a:rPr lang="zh-CN" altLang="en-US" smtClean="0"/>
-              <a:t>2024/6/15</a:t>
+              <a:t>2024/6/16</a:t>
             </a:fld>
             <a:endParaRPr lang="zh-CN" altLang="en-US"/>
           </a:p>
@@ -676,7 +685,7 @@
           <a:p>
             <a:fld id="{2CBF3778-D96B-4D0B-93A3-E3653A77216A}" type="datetimeFigureOut">
               <a:rPr lang="zh-CN" altLang="en-US" smtClean="0"/>
-              <a:t>2024/6/15</a:t>
+              <a:t>2024/6/16</a:t>
             </a:fld>
             <a:endParaRPr lang="zh-CN" altLang="en-US"/>
           </a:p>
@@ -846,7 +855,7 @@
           <a:p>
             <a:fld id="{2CBF3778-D96B-4D0B-93A3-E3653A77216A}" type="datetimeFigureOut">
               <a:rPr lang="zh-CN" altLang="en-US" smtClean="0"/>
-              <a:t>2024/6/15</a:t>
+              <a:t>2024/6/16</a:t>
             </a:fld>
             <a:endParaRPr lang="zh-CN" altLang="en-US"/>
           </a:p>
@@ -1026,7 +1035,7 @@
           <a:p>
             <a:fld id="{2CBF3778-D96B-4D0B-93A3-E3653A77216A}" type="datetimeFigureOut">
               <a:rPr lang="zh-CN" altLang="en-US" smtClean="0"/>
-              <a:t>2024/6/15</a:t>
+              <a:t>2024/6/16</a:t>
             </a:fld>
             <a:endParaRPr lang="zh-CN" altLang="en-US"/>
           </a:p>
@@ -1196,7 +1205,7 @@
           <a:p>
             <a:fld id="{2CBF3778-D96B-4D0B-93A3-E3653A77216A}" type="datetimeFigureOut">
               <a:rPr lang="zh-CN" altLang="en-US" smtClean="0"/>
-              <a:t>2024/6/15</a:t>
+              <a:t>2024/6/16</a:t>
             </a:fld>
             <a:endParaRPr lang="zh-CN" altLang="en-US"/>
           </a:p>
@@ -1442,7 +1451,7 @@
           <a:p>
             <a:fld id="{2CBF3778-D96B-4D0B-93A3-E3653A77216A}" type="datetimeFigureOut">
               <a:rPr lang="zh-CN" altLang="en-US" smtClean="0"/>
-              <a:t>2024/6/15</a:t>
+              <a:t>2024/6/16</a:t>
             </a:fld>
             <a:endParaRPr lang="zh-CN" altLang="en-US"/>
           </a:p>
@@ -1674,7 +1683,7 @@
           <a:p>
             <a:fld id="{2CBF3778-D96B-4D0B-93A3-E3653A77216A}" type="datetimeFigureOut">
               <a:rPr lang="zh-CN" altLang="en-US" smtClean="0"/>
-              <a:t>2024/6/15</a:t>
+              <a:t>2024/6/16</a:t>
             </a:fld>
             <a:endParaRPr lang="zh-CN" altLang="en-US"/>
           </a:p>
@@ -2041,7 +2050,7 @@
           <a:p>
             <a:fld id="{2CBF3778-D96B-4D0B-93A3-E3653A77216A}" type="datetimeFigureOut">
               <a:rPr lang="zh-CN" altLang="en-US" smtClean="0"/>
-              <a:t>2024/6/15</a:t>
+              <a:t>2024/6/16</a:t>
             </a:fld>
             <a:endParaRPr lang="zh-CN" altLang="en-US"/>
           </a:p>
@@ -2159,7 +2168,7 @@
           <a:p>
             <a:fld id="{2CBF3778-D96B-4D0B-93A3-E3653A77216A}" type="datetimeFigureOut">
               <a:rPr lang="zh-CN" altLang="en-US" smtClean="0"/>
-              <a:t>2024/6/15</a:t>
+              <a:t>2024/6/16</a:t>
             </a:fld>
             <a:endParaRPr lang="zh-CN" altLang="en-US"/>
           </a:p>
@@ -2254,7 +2263,7 @@
           <a:p>
             <a:fld id="{2CBF3778-D96B-4D0B-93A3-E3653A77216A}" type="datetimeFigureOut">
               <a:rPr lang="zh-CN" altLang="en-US" smtClean="0"/>
-              <a:t>2024/6/15</a:t>
+              <a:t>2024/6/16</a:t>
             </a:fld>
             <a:endParaRPr lang="zh-CN" altLang="en-US"/>
           </a:p>
@@ -2531,7 +2540,7 @@
           <a:p>
             <a:fld id="{2CBF3778-D96B-4D0B-93A3-E3653A77216A}" type="datetimeFigureOut">
               <a:rPr lang="zh-CN" altLang="en-US" smtClean="0"/>
-              <a:t>2024/6/15</a:t>
+              <a:t>2024/6/16</a:t>
             </a:fld>
             <a:endParaRPr lang="zh-CN" altLang="en-US"/>
           </a:p>
@@ -2784,7 +2793,7 @@
           <a:p>
             <a:fld id="{2CBF3778-D96B-4D0B-93A3-E3653A77216A}" type="datetimeFigureOut">
               <a:rPr lang="zh-CN" altLang="en-US" smtClean="0"/>
-              <a:t>2024/6/15</a:t>
+              <a:t>2024/6/16</a:t>
             </a:fld>
             <a:endParaRPr lang="zh-CN" altLang="en-US"/>
           </a:p>
@@ -2997,7 +3006,7 @@
           <a:p>
             <a:fld id="{2CBF3778-D96B-4D0B-93A3-E3653A77216A}" type="datetimeFigureOut">
               <a:rPr lang="zh-CN" altLang="en-US" smtClean="0"/>
-              <a:t>2024/6/15</a:t>
+              <a:t>2024/6/16</a:t>
             </a:fld>
             <a:endParaRPr lang="zh-CN" altLang="en-US"/>
           </a:p>
@@ -3495,8 +3504,8 @@
         </p:nvSpPr>
         <p:spPr>
           <a:xfrm>
-            <a:off x="2801166" y="3796328"/>
-            <a:ext cx="3005328" cy="461665"/>
+            <a:off x="1548705" y="3707152"/>
+            <a:ext cx="5510249" cy="830997"/>
           </a:xfrm>
           <a:prstGeom prst="rect">
             <a:avLst/>
@@ -3516,21 +3525,77 @@
             <a:pPr algn="ctr"/>
             <a:r>
               <a:rPr lang="en-US" altLang="zh-CN" sz="2400" dirty="0" err="1" smtClean="0">
-                <a:latin typeface="Arial" panose="020B0604020202020204" pitchFamily="34" charset="0"/>
-                <a:cs typeface="Arial" panose="020B0604020202020204" pitchFamily="34" charset="0"/>
+                <a:latin typeface="Times New Roman" panose="02020603050405020304" pitchFamily="18" charset="0"/>
+                <a:cs typeface="Times New Roman" panose="02020603050405020304" pitchFamily="18" charset="0"/>
               </a:rPr>
               <a:t>Presentor</a:t>
             </a:r>
             <a:r>
               <a:rPr lang="en-US" altLang="zh-CN" sz="2400" dirty="0" smtClean="0">
-                <a:latin typeface="Arial" panose="020B0604020202020204" pitchFamily="34" charset="0"/>
-                <a:cs typeface="Arial" panose="020B0604020202020204" pitchFamily="34" charset="0"/>
-              </a:rPr>
-              <a:t>: Sakura</a:t>
+                <a:latin typeface="Times New Roman" panose="02020603050405020304" pitchFamily="18" charset="0"/>
+                <a:cs typeface="Times New Roman" panose="02020603050405020304" pitchFamily="18" charset="0"/>
+              </a:rPr>
+              <a:t>: </a:t>
+            </a:r>
+            <a:r>
+              <a:rPr lang="en-US" altLang="zh-CN" sz="2400" dirty="0" smtClean="0">
+                <a:latin typeface="Times New Roman" panose="02020603050405020304" pitchFamily="18" charset="0"/>
+                <a:cs typeface="Times New Roman" panose="02020603050405020304" pitchFamily="18" charset="0"/>
+              </a:rPr>
+              <a:t>Sakura (</a:t>
+            </a:r>
+            <a:r>
+              <a:rPr lang="en-US" altLang="zh-CN" sz="2400" dirty="0" err="1" smtClean="0">
+                <a:latin typeface="Times New Roman" panose="02020603050405020304" pitchFamily="18" charset="0"/>
+                <a:cs typeface="Times New Roman" panose="02020603050405020304" pitchFamily="18" charset="0"/>
+                <a:hlinkClick r:id="rId5"/>
+              </a:rPr>
+              <a:t>bilibili@Sa</a:t>
+            </a:r>
+            <a:r>
+              <a:rPr lang="zh-CN" altLang="en-US" sz="2400" dirty="0" smtClean="0">
+                <a:latin typeface="Times New Roman" panose="02020603050405020304" pitchFamily="18" charset="0"/>
+                <a:cs typeface="Times New Roman" panose="02020603050405020304" pitchFamily="18" charset="0"/>
+                <a:hlinkClick r:id="rId5"/>
+              </a:rPr>
+              <a:t>神带你学</a:t>
+            </a:r>
+            <a:r>
+              <a:rPr lang="en-US" altLang="zh-CN" sz="2400" dirty="0" smtClean="0">
+                <a:latin typeface="Times New Roman" panose="02020603050405020304" pitchFamily="18" charset="0"/>
+                <a:cs typeface="Times New Roman" panose="02020603050405020304" pitchFamily="18" charset="0"/>
+                <a:hlinkClick r:id="rId5"/>
+              </a:rPr>
+              <a:t>AI</a:t>
+            </a:r>
+            <a:r>
+              <a:rPr lang="en-US" altLang="zh-CN" sz="2400" dirty="0" smtClean="0">
+                <a:latin typeface="Times New Roman" panose="02020603050405020304" pitchFamily="18" charset="0"/>
+                <a:cs typeface="Times New Roman" panose="02020603050405020304" pitchFamily="18" charset="0"/>
+              </a:rPr>
+              <a:t>)</a:t>
+            </a:r>
+          </a:p>
+          <a:p>
+            <a:pPr algn="ctr"/>
+            <a:r>
+              <a:rPr lang="en-US" altLang="zh-CN" sz="2400" dirty="0" smtClean="0">
+                <a:latin typeface="Times New Roman" panose="02020603050405020304" pitchFamily="18" charset="0"/>
+                <a:cs typeface="Times New Roman" panose="02020603050405020304" pitchFamily="18" charset="0"/>
+              </a:rPr>
+              <a:t>Contact me: </a:t>
+            </a:r>
+            <a:r>
+              <a:rPr lang="en-US" altLang="zh-CN" sz="2400" dirty="0" smtClean="0">
+                <a:latin typeface="Times New Roman" panose="02020603050405020304" pitchFamily="18" charset="0"/>
+                <a:cs typeface="Times New Roman" panose="02020603050405020304" pitchFamily="18" charset="0"/>
+                <a:hlinkClick r:id="rId6"/>
+              </a:rPr>
+              <a:t>bili_sakura@zju.edu.cn</a:t>
             </a:r>
             <a:endParaRPr lang="en-US" altLang="zh-CN" sz="2400" dirty="0">
-              <a:latin typeface="Arial" panose="020B0604020202020204" pitchFamily="34" charset="0"/>
-              <a:cs typeface="Arial" panose="020B0604020202020204" pitchFamily="34" charset="0"/>
+              <a:latin typeface="Times New Roman" panose="02020603050405020304" pitchFamily="18" charset="0"/>
+              <a:cs typeface="Times New Roman" panose="02020603050405020304" pitchFamily="18" charset="0"/>
             </a:endParaRPr>
           </a:p>
         </p:txBody>
@@ -3558,24 +3623,42 @@
           <a:lstStyle/>
           <a:p>
             <a:r>
-              <a:rPr lang="en-US" altLang="zh-CN" sz="4000" dirty="0" smtClean="0">
-                <a:latin typeface="Arial Black" panose="020B0A04020102020204" pitchFamily="34" charset="0"/>
-              </a:rPr>
-              <a:t>T</a:t>
-            </a:r>
-            <a:r>
-              <a:rPr lang="en-US" altLang="zh-CN" sz="4000" dirty="0" smtClean="0">
-                <a:latin typeface="Arial Black" panose="020B0A04020102020204" pitchFamily="34" charset="0"/>
-              </a:rPr>
-              <a:t>he Evolution of GPT Models</a:t>
+              <a:rPr lang="en-US" altLang="zh-CN" sz="4800" dirty="0" smtClean="0">
+                <a:latin typeface="Times New Roman" panose="02020603050405020304" pitchFamily="18" charset="0"/>
+              </a:rPr>
+              <a:t>The Evolution of GPT </a:t>
+            </a:r>
+            <a:r>
+              <a:rPr lang="en-US" altLang="zh-CN" sz="4800" dirty="0" smtClean="0">
+                <a:latin typeface="Times New Roman" panose="02020603050405020304" pitchFamily="18" charset="0"/>
+              </a:rPr>
+              <a:t>Models</a:t>
+            </a:r>
+            <a:r>
+              <a:rPr lang="en-US" altLang="zh-CN" sz="4800" dirty="0">
+                <a:latin typeface="Times New Roman" panose="02020603050405020304" pitchFamily="18" charset="0"/>
+              </a:rPr>
+              <a:t>:</a:t>
             </a:r>
             <a:br>
-              <a:rPr lang="en-US" altLang="zh-CN" sz="4000" dirty="0" smtClean="0">
-                <a:latin typeface="Arial Black" panose="020B0A04020102020204" pitchFamily="34" charset="0"/>
+              <a:rPr lang="en-US" altLang="zh-CN" sz="4800" dirty="0">
+                <a:latin typeface="Times New Roman" panose="02020603050405020304" pitchFamily="18" charset="0"/>
               </a:rPr>
             </a:br>
-            <a:endParaRPr lang="zh-CN" altLang="en-US" sz="4000" dirty="0">
-              <a:latin typeface="Arial Black" panose="020B0A04020102020204" pitchFamily="34" charset="0"/>
+            <a:r>
+              <a:rPr lang="en-US" altLang="zh-CN" sz="4800" dirty="0" smtClean="0">
+                <a:latin typeface="Times New Roman" panose="02020603050405020304" pitchFamily="18" charset="0"/>
+              </a:rPr>
+              <a:t>Insights from </a:t>
+            </a:r>
+            <a:r>
+              <a:rPr lang="en-US" altLang="zh-CN" sz="4800" dirty="0" err="1" smtClean="0">
+                <a:latin typeface="Times New Roman" panose="02020603050405020304" pitchFamily="18" charset="0"/>
+              </a:rPr>
+              <a:t>OpenAI</a:t>
+            </a:r>
+            <a:endParaRPr lang="zh-CN" altLang="en-US" sz="4800" dirty="0">
+              <a:latin typeface="Times New Roman" panose="02020603050405020304" pitchFamily="18" charset="0"/>
             </a:endParaRPr>
           </a:p>
         </p:txBody>
@@ -3589,7 +3672,7 @@
           <p:nvPr/>
         </p:nvPicPr>
         <p:blipFill>
-          <a:blip r:embed="rId5">
+          <a:blip r:embed="rId7">
             <a:extLst>
               <a:ext uri="{28A0092B-C50C-407E-A947-70E740481C1C}">
                 <a14:useLocalDpi xmlns:a14="http://schemas.microsoft.com/office/drawing/2010/main" val="0"/>
@@ -3649,35 +3732,6 @@
       </p:grpSpPr>
       <p:pic>
         <p:nvPicPr>
-          <p:cNvPr id="8" name="图片 7"/>
-          <p:cNvPicPr>
-            <a:picLocks noChangeAspect="1"/>
-          </p:cNvPicPr>
-          <p:nvPr/>
-        </p:nvPicPr>
-        <p:blipFill>
-          <a:blip r:embed="rId2"/>
-          <a:stretch>
-            <a:fillRect/>
-          </a:stretch>
-        </p:blipFill>
-        <p:spPr>
-          <a:xfrm>
-            <a:off x="854847" y="2194551"/>
-            <a:ext cx="10254509" cy="3483050"/>
-          </a:xfrm>
-          <a:prstGeom prst="rect">
-            <a:avLst/>
-          </a:prstGeom>
-          <a:ln w="28575">
-            <a:solidFill>
-              <a:srgbClr val="FF0000"/>
-            </a:solidFill>
-          </a:ln>
-        </p:spPr>
-      </p:pic>
-      <p:pic>
-        <p:nvPicPr>
           <p:cNvPr id="4" name="图片 3"/>
           <p:cNvPicPr>
             <a:picLocks noChangeAspect="1"/>
@@ -3685,7 +3739,7 @@
           <p:nvPr/>
         </p:nvPicPr>
         <p:blipFill>
-          <a:blip r:embed="rId3" cstate="print">
+          <a:blip r:embed="rId2" cstate="print">
             <a:extLst>
               <a:ext uri="{28A0092B-C50C-407E-A947-70E740481C1C}">
                 <a14:useLocalDpi xmlns:a14="http://schemas.microsoft.com/office/drawing/2010/main" val="0"/>
@@ -3706,233 +3760,6 @@
           </a:prstGeom>
         </p:spPr>
       </p:pic>
-      <p:sp>
-        <p:nvSpPr>
-          <p:cNvPr id="5" name="文本框 4"/>
-          <p:cNvSpPr txBox="1"/>
-          <p:nvPr/>
-        </p:nvSpPr>
-        <p:spPr>
-          <a:xfrm>
-            <a:off x="3023066" y="5765965"/>
-            <a:ext cx="5903208" cy="369332"/>
-          </a:xfrm>
-          <a:prstGeom prst="rect">
-            <a:avLst/>
-          </a:prstGeom>
-          <a:noFill/>
-        </p:spPr>
-        <p:txBody>
-          <a:bodyPr wrap="square" rtlCol="0">
-            <a:spAutoFit/>
-          </a:bodyPr>
-          <a:lstStyle/>
-          <a:p>
-            <a:r>
-              <a:rPr lang="en-US" altLang="zh-CN" b="1" dirty="0" smtClean="0">
-                <a:latin typeface="Arial" panose="020B0604020202020204" pitchFamily="34" charset="0"/>
-                <a:cs typeface="Arial" panose="020B0604020202020204" pitchFamily="34" charset="0"/>
-              </a:rPr>
-              <a:t>Figure. Three basic formulas for the scaling law</a:t>
-            </a:r>
-            <a:r>
-              <a:rPr lang="en-US" altLang="zh-CN" b="1" baseline="30000" dirty="0" smtClean="0">
-                <a:latin typeface="Arial" panose="020B0604020202020204" pitchFamily="34" charset="0"/>
-                <a:cs typeface="Arial" panose="020B0604020202020204" pitchFamily="34" charset="0"/>
-              </a:rPr>
-              <a:t>1</a:t>
-            </a:r>
-            <a:r>
-              <a:rPr lang="en-US" altLang="zh-CN" b="1" dirty="0" smtClean="0">
-                <a:latin typeface="Arial" panose="020B0604020202020204" pitchFamily="34" charset="0"/>
-                <a:cs typeface="Arial" panose="020B0604020202020204" pitchFamily="34" charset="0"/>
-              </a:rPr>
-              <a:t>. </a:t>
-            </a:r>
-            <a:endParaRPr lang="zh-CN" altLang="en-US" b="1" dirty="0">
-              <a:latin typeface="Arial" panose="020B0604020202020204" pitchFamily="34" charset="0"/>
-              <a:cs typeface="Arial" panose="020B0604020202020204" pitchFamily="34" charset="0"/>
-            </a:endParaRPr>
-          </a:p>
-        </p:txBody>
-      </p:sp>
-      <p:sp>
-        <p:nvSpPr>
-          <p:cNvPr id="3" name="矩形 2"/>
-          <p:cNvSpPr/>
-          <p:nvPr/>
-        </p:nvSpPr>
-        <p:spPr>
-          <a:xfrm>
-            <a:off x="854847" y="905858"/>
-            <a:ext cx="10239647" cy="1200329"/>
-          </a:xfrm>
-          <a:prstGeom prst="rect">
-            <a:avLst/>
-          </a:prstGeom>
-        </p:spPr>
-        <p:txBody>
-          <a:bodyPr wrap="square">
-            <a:spAutoFit/>
-          </a:bodyPr>
-          <a:lstStyle/>
-          <a:p>
-            <a:r>
-              <a:rPr lang="zh-CN" altLang="en-US" dirty="0">
-                <a:latin typeface="Arial" panose="020B0604020202020204" pitchFamily="34" charset="0"/>
-                <a:cs typeface="Arial" panose="020B0604020202020204" pitchFamily="34" charset="0"/>
-              </a:rPr>
-              <a:t>In 2020, Kaplan et al. </a:t>
-            </a:r>
-            <a:r>
-              <a:rPr lang="zh-CN" altLang="en-US" dirty="0" smtClean="0">
-                <a:solidFill>
-                  <a:schemeClr val="accent1"/>
-                </a:solidFill>
-                <a:latin typeface="Arial" panose="020B0604020202020204" pitchFamily="34" charset="0"/>
-                <a:cs typeface="Arial" panose="020B0604020202020204" pitchFamily="34" charset="0"/>
-              </a:rPr>
-              <a:t>[</a:t>
-            </a:r>
-            <a:r>
-              <a:rPr lang="en-US" altLang="zh-CN" dirty="0" smtClean="0">
-                <a:solidFill>
-                  <a:schemeClr val="accent1"/>
-                </a:solidFill>
-                <a:latin typeface="Arial" panose="020B0604020202020204" pitchFamily="34" charset="0"/>
-                <a:cs typeface="Arial" panose="020B0604020202020204" pitchFamily="34" charset="0"/>
-              </a:rPr>
-              <a:t>1</a:t>
-            </a:r>
-            <a:r>
-              <a:rPr lang="zh-CN" altLang="en-US" dirty="0" smtClean="0">
-                <a:solidFill>
-                  <a:schemeClr val="accent1"/>
-                </a:solidFill>
-                <a:latin typeface="Arial" panose="020B0604020202020204" pitchFamily="34" charset="0"/>
-                <a:cs typeface="Arial" panose="020B0604020202020204" pitchFamily="34" charset="0"/>
-              </a:rPr>
-              <a:t>] </a:t>
-            </a:r>
-            <a:r>
-              <a:rPr lang="zh-CN" altLang="en-US" dirty="0">
-                <a:latin typeface="Arial" panose="020B0604020202020204" pitchFamily="34" charset="0"/>
-                <a:cs typeface="Arial" panose="020B0604020202020204" pitchFamily="34" charset="0"/>
-              </a:rPr>
-              <a:t>(the OpenAI team) firstly proposed to model the power-law relationship of model performance with respective to three major factors, namely </a:t>
-            </a:r>
-            <a:r>
-              <a:rPr lang="zh-CN" altLang="en-US" b="1" dirty="0">
-                <a:latin typeface="Arial" panose="020B0604020202020204" pitchFamily="34" charset="0"/>
-                <a:cs typeface="Arial" panose="020B0604020202020204" pitchFamily="34" charset="0"/>
-              </a:rPr>
-              <a:t>model size</a:t>
-            </a:r>
-            <a:r>
-              <a:rPr lang="zh-CN" altLang="en-US" dirty="0">
-                <a:latin typeface="Arial" panose="020B0604020202020204" pitchFamily="34" charset="0"/>
-                <a:cs typeface="Arial" panose="020B0604020202020204" pitchFamily="34" charset="0"/>
-              </a:rPr>
-              <a:t> (</a:t>
-            </a:r>
-            <a:r>
-              <a:rPr lang="zh-CN" altLang="en-US" dirty="0" smtClean="0">
-                <a:latin typeface="Arial" panose="020B0604020202020204" pitchFamily="34" charset="0"/>
-                <a:cs typeface="Arial" panose="020B0604020202020204" pitchFamily="34" charset="0"/>
-              </a:rPr>
-              <a:t>N), </a:t>
-            </a:r>
-            <a:r>
-              <a:rPr lang="zh-CN" altLang="en-US" b="1" dirty="0">
-                <a:latin typeface="Arial" panose="020B0604020202020204" pitchFamily="34" charset="0"/>
-                <a:cs typeface="Arial" panose="020B0604020202020204" pitchFamily="34" charset="0"/>
-              </a:rPr>
-              <a:t>dataset size </a:t>
-            </a:r>
-            <a:r>
-              <a:rPr lang="zh-CN" altLang="en-US" dirty="0">
-                <a:latin typeface="Arial" panose="020B0604020202020204" pitchFamily="34" charset="0"/>
-                <a:cs typeface="Arial" panose="020B0604020202020204" pitchFamily="34" charset="0"/>
-              </a:rPr>
-              <a:t>(D), and the amount of </a:t>
-            </a:r>
-            <a:r>
-              <a:rPr lang="zh-CN" altLang="en-US" b="1" dirty="0">
-                <a:latin typeface="Arial" panose="020B0604020202020204" pitchFamily="34" charset="0"/>
-                <a:cs typeface="Arial" panose="020B0604020202020204" pitchFamily="34" charset="0"/>
-              </a:rPr>
-              <a:t>training compute</a:t>
-            </a:r>
-            <a:r>
-              <a:rPr lang="zh-CN" altLang="en-US" dirty="0">
-                <a:latin typeface="Arial" panose="020B0604020202020204" pitchFamily="34" charset="0"/>
-                <a:cs typeface="Arial" panose="020B0604020202020204" pitchFamily="34" charset="0"/>
-              </a:rPr>
-              <a:t> (C), for neural language </a:t>
-            </a:r>
-            <a:r>
-              <a:rPr lang="zh-CN" altLang="en-US" dirty="0" smtClean="0">
-                <a:latin typeface="Arial" panose="020B0604020202020204" pitchFamily="34" charset="0"/>
-                <a:cs typeface="Arial" panose="020B0604020202020204" pitchFamily="34" charset="0"/>
-              </a:rPr>
-              <a:t>models</a:t>
-            </a:r>
-            <a:r>
-              <a:rPr lang="en-US" altLang="zh-CN" dirty="0">
-                <a:latin typeface="Arial" panose="020B0604020202020204" pitchFamily="34" charset="0"/>
-                <a:cs typeface="Arial" panose="020B0604020202020204" pitchFamily="34" charset="0"/>
-              </a:rPr>
-              <a:t>, </a:t>
-            </a:r>
-            <a:r>
-              <a:rPr lang="en-US" altLang="zh-CN" dirty="0" smtClean="0">
-                <a:latin typeface="Arial" panose="020B0604020202020204" pitchFamily="34" charset="0"/>
-                <a:cs typeface="Arial" panose="020B0604020202020204" pitchFamily="34" charset="0"/>
-              </a:rPr>
-              <a:t>and L</a:t>
-            </a:r>
-            <a:r>
-              <a:rPr lang="en-US" altLang="zh-CN" dirty="0">
-                <a:latin typeface="Arial" panose="020B0604020202020204" pitchFamily="34" charset="0"/>
-                <a:cs typeface="Arial" panose="020B0604020202020204" pitchFamily="34" charset="0"/>
-              </a:rPr>
-              <a:t>(·) denotes the </a:t>
-            </a:r>
-            <a:r>
-              <a:rPr lang="en-US" altLang="zh-CN" b="1" dirty="0">
-                <a:latin typeface="Arial" panose="020B0604020202020204" pitchFamily="34" charset="0"/>
-                <a:cs typeface="Arial" panose="020B0604020202020204" pitchFamily="34" charset="0"/>
-              </a:rPr>
-              <a:t>cross entropy loss </a:t>
-            </a:r>
-            <a:r>
-              <a:rPr lang="en-US" altLang="zh-CN" dirty="0">
-                <a:latin typeface="Arial" panose="020B0604020202020204" pitchFamily="34" charset="0"/>
-                <a:cs typeface="Arial" panose="020B0604020202020204" pitchFamily="34" charset="0"/>
-              </a:rPr>
-              <a:t>in </a:t>
-            </a:r>
-            <a:r>
-              <a:rPr lang="en-US" altLang="zh-CN" dirty="0" smtClean="0">
-                <a:latin typeface="Arial" panose="020B0604020202020204" pitchFamily="34" charset="0"/>
-                <a:cs typeface="Arial" panose="020B0604020202020204" pitchFamily="34" charset="0"/>
-              </a:rPr>
-              <a:t>nats.</a:t>
-            </a:r>
-            <a:r>
-              <a:rPr lang="en-US" altLang="zh-CN" baseline="30000" dirty="0" smtClean="0">
-                <a:latin typeface="Arial" panose="020B0604020202020204" pitchFamily="34" charset="0"/>
-                <a:cs typeface="Arial" panose="020B0604020202020204" pitchFamily="34" charset="0"/>
-              </a:rPr>
-              <a:t>1</a:t>
-            </a:r>
-            <a:endParaRPr lang="zh-CN" altLang="en-US" baseline="30000" dirty="0">
-              <a:latin typeface="Arial" panose="020B0604020202020204" pitchFamily="34" charset="0"/>
-              <a:cs typeface="Arial" panose="020B0604020202020204" pitchFamily="34" charset="0"/>
-            </a:endParaRPr>
-          </a:p>
-        </p:txBody>
-      </p:sp>
       <p:cxnSp>
         <p:nvCxnSpPr>
           <p:cNvPr id="7" name="直接连接符 6"/>
@@ -3986,13 +3813,2049 @@
           <a:lstStyle/>
           <a:p>
             <a:r>
-              <a:rPr lang="en-US" altLang="zh-CN" sz="4000" dirty="0" smtClean="0">
-                <a:latin typeface="Arial Black" panose="020B0A04020102020204" pitchFamily="34" charset="0"/>
-              </a:rPr>
-              <a:t>Scaling Law</a:t>
-            </a:r>
-            <a:endParaRPr lang="zh-CN" altLang="en-US" sz="4000" dirty="0">
-              <a:latin typeface="Arial Black" panose="020B0A04020102020204" pitchFamily="34" charset="0"/>
+              <a:rPr lang="en-US" altLang="zh-CN" sz="4000" b="1" dirty="0">
+                <a:latin typeface="Times New Roman" panose="02020603050405020304" pitchFamily="18" charset="0"/>
+                <a:cs typeface="Times New Roman" panose="02020603050405020304" pitchFamily="18" charset="0"/>
+              </a:rPr>
+              <a:t>Outline</a:t>
+            </a:r>
+            <a:endParaRPr lang="zh-CN" altLang="en-US" sz="4000" b="1" dirty="0">
+              <a:latin typeface="Times New Roman" panose="02020603050405020304" pitchFamily="18" charset="0"/>
+              <a:cs typeface="Times New Roman" panose="02020603050405020304" pitchFamily="18" charset="0"/>
+            </a:endParaRPr>
+          </a:p>
+        </p:txBody>
+      </p:sp>
+      <p:sp>
+        <p:nvSpPr>
+          <p:cNvPr id="6" name="Rectangle 2"/>
+          <p:cNvSpPr>
+            <a:spLocks noChangeArrowheads="1"/>
+          </p:cNvSpPr>
+          <p:nvPr/>
+        </p:nvSpPr>
+        <p:spPr bwMode="auto">
+          <a:xfrm>
+            <a:off x="892549" y="752852"/>
+            <a:ext cx="9030051" cy="5786199"/>
+          </a:xfrm>
+          <a:prstGeom prst="rect">
+            <a:avLst/>
+          </a:prstGeom>
+          <a:noFill/>
+          <a:ln>
+            <a:noFill/>
+          </a:ln>
+          <a:effectLst/>
+          <a:extLst>
+            <a:ext uri="{909E8E84-426E-40DD-AFC4-6F175D3DCCD1}">
+              <a14:hiddenFill xmlns:a14="http://schemas.microsoft.com/office/drawing/2010/main">
+                <a:solidFill>
+                  <a:schemeClr val="accent1"/>
+                </a:solidFill>
+              </a14:hiddenFill>
+            </a:ext>
+            <a:ext uri="{91240B29-F687-4F45-9708-019B960494DF}">
+              <a14:hiddenLine xmlns:a14="http://schemas.microsoft.com/office/drawing/2010/main" w="9525">
+                <a:solidFill>
+                  <a:schemeClr val="tx1"/>
+                </a:solidFill>
+                <a:miter lim="800000"/>
+                <a:headEnd/>
+                <a:tailEnd/>
+              </a14:hiddenLine>
+            </a:ext>
+            <a:ext uri="{AF507438-7753-43E0-B8FC-AC1667EBCBE1}">
+              <a14:hiddenEffects xmlns:a14="http://schemas.microsoft.com/office/drawing/2010/main">
+                <a:effectLst>
+                  <a:outerShdw dist="35921" dir="2700000" algn="ctr" rotWithShape="0">
+                    <a:schemeClr val="bg2"/>
+                  </a:outerShdw>
+                </a:effectLst>
+              </a14:hiddenEffects>
+            </a:ext>
+          </a:extLst>
+        </p:spPr>
+        <p:txBody>
+          <a:bodyPr vert="horz" wrap="square" lIns="0" tIns="0" rIns="0" bIns="0" numCol="1" anchor="ctr" anchorCtr="0" compatLnSpc="1">
+            <a:prstTxWarp prst="textNoShape">
+              <a:avLst/>
+            </a:prstTxWarp>
+            <a:spAutoFit/>
+          </a:bodyPr>
+          <a:lstStyle/>
+          <a:p>
+            <a:pPr marL="342900" marR="0" lvl="0" indent="-342900" algn="l" defTabSz="914400" rtl="0" eaLnBrk="0" fontAlgn="base" latinLnBrk="0" hangingPunct="0">
+              <a:lnSpc>
+                <a:spcPct val="100000"/>
+              </a:lnSpc>
+              <a:spcBef>
+                <a:spcPct val="0"/>
+              </a:spcBef>
+              <a:spcAft>
+                <a:spcPct val="0"/>
+              </a:spcAft>
+              <a:buClrTx/>
+              <a:buSzTx/>
+              <a:buFont typeface="Wingdings" panose="05000000000000000000" pitchFamily="2" charset="2"/>
+              <a:buChar char="n"/>
+              <a:tabLst/>
+            </a:pPr>
+            <a:r>
+              <a:rPr kumimoji="0" lang="zh-CN" altLang="zh-CN" sz="2000" b="0" i="0" u="none" strike="noStrike" cap="none" normalizeH="0" baseline="0" dirty="0" smtClean="0">
+                <a:ln>
+                  <a:noFill/>
+                </a:ln>
+                <a:solidFill>
+                  <a:srgbClr val="333333"/>
+                </a:solidFill>
+                <a:effectLst/>
+                <a:latin typeface="Times New Roman" panose="02020603050405020304" pitchFamily="18" charset="0"/>
+                <a:ea typeface="Open Sans"/>
+                <a:cs typeface="Times New Roman" panose="02020603050405020304" pitchFamily="18" charset="0"/>
+              </a:rPr>
+              <a:t>Background</a:t>
+            </a:r>
+            <a:endParaRPr lang="en-US" altLang="zh-CN" sz="2000" dirty="0">
+              <a:solidFill>
+                <a:srgbClr val="333333"/>
+              </a:solidFill>
+              <a:latin typeface="Times New Roman" panose="02020603050405020304" pitchFamily="18" charset="0"/>
+              <a:ea typeface="Open Sans"/>
+              <a:cs typeface="Times New Roman" panose="02020603050405020304" pitchFamily="18" charset="0"/>
+            </a:endParaRPr>
+          </a:p>
+          <a:p>
+            <a:pPr marL="800100" lvl="1" indent="-342900" eaLnBrk="0" fontAlgn="base" hangingPunct="0">
+              <a:spcBef>
+                <a:spcPct val="0"/>
+              </a:spcBef>
+              <a:spcAft>
+                <a:spcPct val="0"/>
+              </a:spcAft>
+              <a:buFont typeface="Wingdings" panose="05000000000000000000" pitchFamily="2" charset="2"/>
+              <a:buChar char="p"/>
+            </a:pPr>
+            <a:r>
+              <a:rPr kumimoji="0" lang="zh-CN" altLang="zh-CN" sz="2000" b="0" i="0" u="none" strike="noStrike" cap="none" normalizeH="0" baseline="0" dirty="0" smtClean="0">
+                <a:ln>
+                  <a:noFill/>
+                </a:ln>
+                <a:solidFill>
+                  <a:srgbClr val="333333"/>
+                </a:solidFill>
+                <a:effectLst/>
+                <a:latin typeface="Times New Roman" panose="02020603050405020304" pitchFamily="18" charset="0"/>
+                <a:ea typeface="Open Sans"/>
+                <a:cs typeface="Times New Roman" panose="02020603050405020304" pitchFamily="18" charset="0"/>
+              </a:rPr>
+              <a:t>Introduction to OpenAI</a:t>
+            </a:r>
+            <a:endParaRPr kumimoji="0" lang="en-US" altLang="zh-CN" sz="2000" b="0" i="0" u="none" strike="noStrike" cap="none" normalizeH="0" baseline="0" dirty="0" smtClean="0">
+              <a:ln>
+                <a:noFill/>
+              </a:ln>
+              <a:solidFill>
+                <a:srgbClr val="333333"/>
+              </a:solidFill>
+              <a:effectLst/>
+              <a:latin typeface="Times New Roman" panose="02020603050405020304" pitchFamily="18" charset="0"/>
+              <a:ea typeface="Open Sans"/>
+              <a:cs typeface="Times New Roman" panose="02020603050405020304" pitchFamily="18" charset="0"/>
+            </a:endParaRPr>
+          </a:p>
+          <a:p>
+            <a:pPr marL="800100" lvl="1" indent="-342900" eaLnBrk="0" fontAlgn="base" hangingPunct="0">
+              <a:spcBef>
+                <a:spcPct val="0"/>
+              </a:spcBef>
+              <a:spcAft>
+                <a:spcPct val="0"/>
+              </a:spcAft>
+              <a:buFont typeface="Wingdings" panose="05000000000000000000" pitchFamily="2" charset="2"/>
+              <a:buChar char="p"/>
+            </a:pPr>
+            <a:r>
+              <a:rPr kumimoji="0" lang="zh-CN" altLang="zh-CN" sz="2000" b="0" i="0" u="none" strike="noStrike" cap="none" normalizeH="0" baseline="0" dirty="0" smtClean="0">
+                <a:ln>
+                  <a:noFill/>
+                </a:ln>
+                <a:solidFill>
+                  <a:srgbClr val="333333"/>
+                </a:solidFill>
+                <a:effectLst/>
+                <a:latin typeface="Times New Roman" panose="02020603050405020304" pitchFamily="18" charset="0"/>
+                <a:ea typeface="Open Sans"/>
+                <a:cs typeface="Times New Roman" panose="02020603050405020304" pitchFamily="18" charset="0"/>
+              </a:rPr>
+              <a:t>Evolution of GPT-series Models</a:t>
+            </a:r>
+          </a:p>
+          <a:p>
+            <a:pPr marL="342900" marR="0" lvl="0" indent="-342900" algn="l" defTabSz="914400" rtl="0" eaLnBrk="0" fontAlgn="base" latinLnBrk="0" hangingPunct="0">
+              <a:lnSpc>
+                <a:spcPct val="100000"/>
+              </a:lnSpc>
+              <a:spcBef>
+                <a:spcPct val="0"/>
+              </a:spcBef>
+              <a:spcAft>
+                <a:spcPct val="0"/>
+              </a:spcAft>
+              <a:buClrTx/>
+              <a:buSzTx/>
+              <a:buFont typeface="Wingdings" panose="05000000000000000000" pitchFamily="2" charset="2"/>
+              <a:buChar char="n"/>
+              <a:tabLst/>
+            </a:pPr>
+            <a:r>
+              <a:rPr lang="zh-CN" altLang="zh-CN" sz="2000" dirty="0">
+                <a:solidFill>
+                  <a:srgbClr val="333333"/>
+                </a:solidFill>
+                <a:latin typeface="Times New Roman" panose="02020603050405020304" pitchFamily="18" charset="0"/>
+                <a:ea typeface="Open Sans"/>
+                <a:cs typeface="Times New Roman" panose="02020603050405020304" pitchFamily="18" charset="0"/>
+              </a:rPr>
+              <a:t>Early Exploration</a:t>
+            </a:r>
+            <a:endParaRPr lang="en-US" altLang="zh-CN" sz="2000" dirty="0">
+              <a:solidFill>
+                <a:srgbClr val="333333"/>
+              </a:solidFill>
+              <a:latin typeface="Times New Roman" panose="02020603050405020304" pitchFamily="18" charset="0"/>
+              <a:ea typeface="Open Sans"/>
+              <a:cs typeface="Times New Roman" panose="02020603050405020304" pitchFamily="18" charset="0"/>
+            </a:endParaRPr>
+          </a:p>
+          <a:p>
+            <a:pPr marL="800100" lvl="1" indent="-342900" eaLnBrk="0" fontAlgn="base" hangingPunct="0">
+              <a:spcBef>
+                <a:spcPct val="0"/>
+              </a:spcBef>
+              <a:spcAft>
+                <a:spcPct val="0"/>
+              </a:spcAft>
+              <a:buFont typeface="Wingdings" panose="05000000000000000000" pitchFamily="2" charset="2"/>
+              <a:buChar char="p"/>
+            </a:pPr>
+            <a:r>
+              <a:rPr kumimoji="0" lang="zh-CN" altLang="zh-CN" sz="2000" b="0" i="0" u="none" strike="noStrike" cap="none" normalizeH="0" baseline="0" dirty="0" smtClean="0">
+                <a:ln>
+                  <a:noFill/>
+                </a:ln>
+                <a:solidFill>
+                  <a:srgbClr val="333333"/>
+                </a:solidFill>
+                <a:effectLst/>
+                <a:latin typeface="Times New Roman" panose="02020603050405020304" pitchFamily="18" charset="0"/>
+                <a:ea typeface="Open Sans"/>
+                <a:cs typeface="Times New Roman" panose="02020603050405020304" pitchFamily="18" charset="0"/>
+              </a:rPr>
+              <a:t>Before GPT</a:t>
+            </a:r>
+            <a:r>
+              <a:rPr kumimoji="0" lang="en-US" altLang="zh-CN" sz="2000" b="0" i="0" u="none" strike="noStrike" cap="none" normalizeH="0" baseline="0" dirty="0" smtClean="0">
+                <a:ln>
+                  <a:noFill/>
+                </a:ln>
+                <a:solidFill>
+                  <a:srgbClr val="333333"/>
+                </a:solidFill>
+                <a:effectLst/>
+                <a:latin typeface="Times New Roman" panose="02020603050405020304" pitchFamily="18" charset="0"/>
+                <a:ea typeface="Open Sans"/>
+                <a:cs typeface="Times New Roman" panose="02020603050405020304" pitchFamily="18" charset="0"/>
+              </a:rPr>
+              <a:t> (2016-2018)</a:t>
+            </a:r>
+          </a:p>
+          <a:p>
+            <a:pPr marL="800100" lvl="1" indent="-342900" eaLnBrk="0" fontAlgn="base" hangingPunct="0">
+              <a:spcBef>
+                <a:spcPct val="0"/>
+              </a:spcBef>
+              <a:spcAft>
+                <a:spcPct val="0"/>
+              </a:spcAft>
+              <a:buFont typeface="Wingdings" panose="05000000000000000000" pitchFamily="2" charset="2"/>
+              <a:buChar char="p"/>
+            </a:pPr>
+            <a:r>
+              <a:rPr kumimoji="0" lang="zh-CN" altLang="zh-CN" sz="2000" b="0" i="0" u="none" strike="noStrike" cap="none" normalizeH="0" baseline="0" dirty="0" smtClean="0">
+                <a:ln>
+                  <a:noFill/>
+                </a:ln>
+                <a:solidFill>
+                  <a:srgbClr val="333333"/>
+                </a:solidFill>
+                <a:effectLst/>
+                <a:latin typeface="Times New Roman" panose="02020603050405020304" pitchFamily="18" charset="0"/>
+                <a:ea typeface="Open Sans"/>
+                <a:cs typeface="Times New Roman" panose="02020603050405020304" pitchFamily="18" charset="0"/>
+              </a:rPr>
+              <a:t>GPT-1</a:t>
+            </a:r>
+            <a:r>
+              <a:rPr kumimoji="0" lang="en-US" altLang="zh-CN" sz="2000" b="0" i="0" u="none" strike="noStrike" cap="none" normalizeH="0" baseline="0" dirty="0" smtClean="0">
+                <a:ln>
+                  <a:noFill/>
+                </a:ln>
+                <a:solidFill>
+                  <a:srgbClr val="333333"/>
+                </a:solidFill>
+                <a:effectLst/>
+                <a:latin typeface="Times New Roman" panose="02020603050405020304" pitchFamily="18" charset="0"/>
+                <a:ea typeface="Open Sans"/>
+                <a:cs typeface="Times New Roman" panose="02020603050405020304" pitchFamily="18" charset="0"/>
+              </a:rPr>
+              <a:t> (2018)</a:t>
+            </a:r>
+          </a:p>
+          <a:p>
+            <a:pPr marL="800100" lvl="1" indent="-342900" eaLnBrk="0" fontAlgn="base" hangingPunct="0">
+              <a:spcBef>
+                <a:spcPct val="0"/>
+              </a:spcBef>
+              <a:spcAft>
+                <a:spcPct val="0"/>
+              </a:spcAft>
+              <a:buFont typeface="Wingdings" panose="05000000000000000000" pitchFamily="2" charset="2"/>
+              <a:buChar char="p"/>
+            </a:pPr>
+            <a:r>
+              <a:rPr kumimoji="0" lang="zh-CN" altLang="zh-CN" sz="2000" b="0" i="0" u="none" strike="noStrike" cap="none" normalizeH="0" baseline="0" dirty="0" smtClean="0">
+                <a:ln>
+                  <a:noFill/>
+                </a:ln>
+                <a:solidFill>
+                  <a:srgbClr val="333333"/>
+                </a:solidFill>
+                <a:effectLst/>
+                <a:latin typeface="Times New Roman" panose="02020603050405020304" pitchFamily="18" charset="0"/>
+                <a:ea typeface="Open Sans"/>
+                <a:cs typeface="Times New Roman" panose="02020603050405020304" pitchFamily="18" charset="0"/>
+              </a:rPr>
+              <a:t>GPT-2</a:t>
+            </a:r>
+            <a:r>
+              <a:rPr kumimoji="0" lang="en-US" altLang="zh-CN" sz="2000" b="0" i="0" u="none" strike="noStrike" cap="none" normalizeH="0" baseline="0" dirty="0" smtClean="0">
+                <a:ln>
+                  <a:noFill/>
+                </a:ln>
+                <a:solidFill>
+                  <a:srgbClr val="333333"/>
+                </a:solidFill>
+                <a:effectLst/>
+                <a:latin typeface="Times New Roman" panose="02020603050405020304" pitchFamily="18" charset="0"/>
+                <a:ea typeface="Open Sans"/>
+                <a:cs typeface="Times New Roman" panose="02020603050405020304" pitchFamily="18" charset="0"/>
+              </a:rPr>
+              <a:t> (2019)</a:t>
+            </a:r>
+            <a:endParaRPr kumimoji="0" lang="zh-CN" altLang="zh-CN" sz="2000" b="0" i="0" u="none" strike="noStrike" cap="none" normalizeH="0" baseline="0" dirty="0" smtClean="0">
+              <a:ln>
+                <a:noFill/>
+              </a:ln>
+              <a:solidFill>
+                <a:srgbClr val="333333"/>
+              </a:solidFill>
+              <a:effectLst/>
+              <a:latin typeface="Times New Roman" panose="02020603050405020304" pitchFamily="18" charset="0"/>
+              <a:ea typeface="Open Sans"/>
+              <a:cs typeface="Times New Roman" panose="02020603050405020304" pitchFamily="18" charset="0"/>
+            </a:endParaRPr>
+          </a:p>
+          <a:p>
+            <a:pPr marL="342900" marR="0" lvl="0" indent="-342900" algn="l" defTabSz="914400" rtl="0" eaLnBrk="0" fontAlgn="base" latinLnBrk="0" hangingPunct="0">
+              <a:lnSpc>
+                <a:spcPct val="100000"/>
+              </a:lnSpc>
+              <a:spcBef>
+                <a:spcPct val="0"/>
+              </a:spcBef>
+              <a:spcAft>
+                <a:spcPct val="0"/>
+              </a:spcAft>
+              <a:buClrTx/>
+              <a:buSzTx/>
+              <a:buFont typeface="Wingdings" panose="05000000000000000000" pitchFamily="2" charset="2"/>
+              <a:buChar char="n"/>
+              <a:tabLst/>
+            </a:pPr>
+            <a:r>
+              <a:rPr kumimoji="0" lang="zh-CN" altLang="zh-CN" sz="2000" b="0" i="0" u="none" strike="noStrike" cap="none" normalizeH="0" baseline="0" dirty="0" smtClean="0">
+                <a:ln>
+                  <a:noFill/>
+                </a:ln>
+                <a:solidFill>
+                  <a:srgbClr val="333333"/>
+                </a:solidFill>
+                <a:effectLst/>
+                <a:latin typeface="Times New Roman" panose="02020603050405020304" pitchFamily="18" charset="0"/>
+                <a:ea typeface="Open Sans"/>
+                <a:cs typeface="Times New Roman" panose="02020603050405020304" pitchFamily="18" charset="0"/>
+              </a:rPr>
+              <a:t>Capacity Leap &amp; Enhancement</a:t>
+            </a:r>
+            <a:endParaRPr kumimoji="0" lang="en-US" altLang="zh-CN" sz="2000" b="0" i="0" u="none" strike="noStrike" cap="none" normalizeH="0" baseline="0" dirty="0" smtClean="0">
+              <a:ln>
+                <a:noFill/>
+              </a:ln>
+              <a:solidFill>
+                <a:srgbClr val="333333"/>
+              </a:solidFill>
+              <a:effectLst/>
+              <a:latin typeface="Times New Roman" panose="02020603050405020304" pitchFamily="18" charset="0"/>
+              <a:ea typeface="Open Sans"/>
+              <a:cs typeface="Times New Roman" panose="02020603050405020304" pitchFamily="18" charset="0"/>
+            </a:endParaRPr>
+          </a:p>
+          <a:p>
+            <a:pPr marL="800100" lvl="1" indent="-342900" eaLnBrk="0" fontAlgn="base" hangingPunct="0">
+              <a:spcBef>
+                <a:spcPct val="0"/>
+              </a:spcBef>
+              <a:spcAft>
+                <a:spcPct val="0"/>
+              </a:spcAft>
+              <a:buFont typeface="Wingdings" panose="05000000000000000000" pitchFamily="2" charset="2"/>
+              <a:buChar char="p"/>
+            </a:pPr>
+            <a:r>
+              <a:rPr kumimoji="0" lang="zh-CN" altLang="zh-CN" sz="2000" b="0" i="0" u="none" strike="noStrike" cap="none" normalizeH="0" baseline="0" dirty="0" smtClean="0">
+                <a:ln>
+                  <a:noFill/>
+                </a:ln>
+                <a:solidFill>
+                  <a:srgbClr val="333333"/>
+                </a:solidFill>
+                <a:effectLst/>
+                <a:latin typeface="Times New Roman" panose="02020603050405020304" pitchFamily="18" charset="0"/>
+                <a:ea typeface="Open Sans"/>
+                <a:cs typeface="Times New Roman" panose="02020603050405020304" pitchFamily="18" charset="0"/>
+              </a:rPr>
+              <a:t>GPT-3</a:t>
+            </a:r>
+            <a:r>
+              <a:rPr kumimoji="0" lang="en-US" altLang="zh-CN" sz="2000" b="0" i="0" u="none" strike="noStrike" cap="none" normalizeH="0" baseline="0" dirty="0" smtClean="0">
+                <a:ln>
+                  <a:noFill/>
+                </a:ln>
+                <a:solidFill>
+                  <a:srgbClr val="333333"/>
+                </a:solidFill>
+                <a:effectLst/>
+                <a:latin typeface="Times New Roman" panose="02020603050405020304" pitchFamily="18" charset="0"/>
+                <a:ea typeface="Open Sans"/>
+                <a:cs typeface="Times New Roman" panose="02020603050405020304" pitchFamily="18" charset="0"/>
+              </a:rPr>
+              <a:t> (2020)</a:t>
+            </a:r>
+          </a:p>
+          <a:p>
+            <a:pPr marL="800100" lvl="1" indent="-342900" eaLnBrk="0" fontAlgn="base" hangingPunct="0">
+              <a:spcBef>
+                <a:spcPct val="0"/>
+              </a:spcBef>
+              <a:spcAft>
+                <a:spcPct val="0"/>
+              </a:spcAft>
+              <a:buFont typeface="Wingdings" panose="05000000000000000000" pitchFamily="2" charset="2"/>
+              <a:buChar char="p"/>
+            </a:pPr>
+            <a:r>
+              <a:rPr kumimoji="0" lang="zh-CN" altLang="zh-CN" sz="2000" b="0" i="0" u="none" strike="noStrike" cap="none" normalizeH="0" baseline="0" dirty="0" smtClean="0">
+                <a:ln>
+                  <a:noFill/>
+                </a:ln>
+                <a:solidFill>
+                  <a:srgbClr val="333333"/>
+                </a:solidFill>
+                <a:effectLst/>
+                <a:latin typeface="Times New Roman" panose="02020603050405020304" pitchFamily="18" charset="0"/>
+                <a:ea typeface="Open Sans"/>
+                <a:cs typeface="Times New Roman" panose="02020603050405020304" pitchFamily="18" charset="0"/>
+              </a:rPr>
+              <a:t>Codex</a:t>
+            </a:r>
+            <a:r>
+              <a:rPr kumimoji="0" lang="en-US" altLang="zh-CN" sz="2000" b="0" i="0" u="none" strike="noStrike" cap="none" normalizeH="0" baseline="0" dirty="0" smtClean="0">
+                <a:ln>
+                  <a:noFill/>
+                </a:ln>
+                <a:solidFill>
+                  <a:srgbClr val="333333"/>
+                </a:solidFill>
+                <a:effectLst/>
+                <a:latin typeface="Times New Roman" panose="02020603050405020304" pitchFamily="18" charset="0"/>
+                <a:ea typeface="Open Sans"/>
+                <a:cs typeface="Times New Roman" panose="02020603050405020304" pitchFamily="18" charset="0"/>
+              </a:rPr>
+              <a:t> (2021)</a:t>
+            </a:r>
+            <a:endParaRPr lang="en-US" altLang="zh-CN" sz="2000" dirty="0">
+              <a:solidFill>
+                <a:srgbClr val="333333"/>
+              </a:solidFill>
+              <a:latin typeface="Times New Roman" panose="02020603050405020304" pitchFamily="18" charset="0"/>
+              <a:ea typeface="Open Sans"/>
+              <a:cs typeface="Times New Roman" panose="02020603050405020304" pitchFamily="18" charset="0"/>
+            </a:endParaRPr>
+          </a:p>
+          <a:p>
+            <a:pPr marL="800100" lvl="1" indent="-342900" eaLnBrk="0" fontAlgn="base" hangingPunct="0">
+              <a:spcBef>
+                <a:spcPct val="0"/>
+              </a:spcBef>
+              <a:spcAft>
+                <a:spcPct val="0"/>
+              </a:spcAft>
+              <a:buFont typeface="Wingdings" panose="05000000000000000000" pitchFamily="2" charset="2"/>
+              <a:buChar char="p"/>
+            </a:pPr>
+            <a:r>
+              <a:rPr kumimoji="0" lang="zh-CN" altLang="zh-CN" sz="2000" b="0" i="0" u="none" strike="noStrike" cap="none" normalizeH="0" baseline="0" dirty="0" smtClean="0">
+                <a:ln>
+                  <a:noFill/>
+                </a:ln>
+                <a:solidFill>
+                  <a:srgbClr val="333333"/>
+                </a:solidFill>
+                <a:effectLst/>
+                <a:latin typeface="Times New Roman" panose="02020603050405020304" pitchFamily="18" charset="0"/>
+                <a:ea typeface="Open Sans"/>
+                <a:cs typeface="Times New Roman" panose="02020603050405020304" pitchFamily="18" charset="0"/>
+              </a:rPr>
+              <a:t>IntructGPT</a:t>
+            </a:r>
+            <a:r>
+              <a:rPr kumimoji="0" lang="en-US" altLang="zh-CN" sz="2000" b="0" i="0" u="none" strike="noStrike" cap="none" normalizeH="0" baseline="0" dirty="0" smtClean="0">
+                <a:ln>
+                  <a:noFill/>
+                </a:ln>
+                <a:solidFill>
+                  <a:srgbClr val="333333"/>
+                </a:solidFill>
+                <a:effectLst/>
+                <a:latin typeface="Times New Roman" panose="02020603050405020304" pitchFamily="18" charset="0"/>
+                <a:ea typeface="Open Sans"/>
+                <a:cs typeface="Times New Roman" panose="02020603050405020304" pitchFamily="18" charset="0"/>
+              </a:rPr>
+              <a:t> (March 2022)</a:t>
+            </a:r>
+            <a:endParaRPr kumimoji="0" lang="zh-CN" altLang="zh-CN" sz="2000" b="0" i="0" u="none" strike="noStrike" cap="none" normalizeH="0" baseline="0" dirty="0" smtClean="0">
+              <a:ln>
+                <a:noFill/>
+              </a:ln>
+              <a:solidFill>
+                <a:srgbClr val="333333"/>
+              </a:solidFill>
+              <a:effectLst/>
+              <a:latin typeface="Times New Roman" panose="02020603050405020304" pitchFamily="18" charset="0"/>
+              <a:ea typeface="Open Sans"/>
+              <a:cs typeface="Times New Roman" panose="02020603050405020304" pitchFamily="18" charset="0"/>
+            </a:endParaRPr>
+          </a:p>
+          <a:p>
+            <a:pPr marL="342900" marR="0" lvl="0" indent="-342900" algn="l" defTabSz="914400" rtl="0" eaLnBrk="0" fontAlgn="base" latinLnBrk="0" hangingPunct="0">
+              <a:lnSpc>
+                <a:spcPct val="100000"/>
+              </a:lnSpc>
+              <a:spcBef>
+                <a:spcPct val="0"/>
+              </a:spcBef>
+              <a:spcAft>
+                <a:spcPct val="0"/>
+              </a:spcAft>
+              <a:buClrTx/>
+              <a:buSzTx/>
+              <a:buFont typeface="Wingdings" panose="05000000000000000000" pitchFamily="2" charset="2"/>
+              <a:buChar char="n"/>
+              <a:tabLst/>
+            </a:pPr>
+            <a:r>
+              <a:rPr kumimoji="0" lang="zh-CN" altLang="zh-CN" sz="2000" b="0" i="0" u="none" strike="noStrike" cap="none" normalizeH="0" baseline="0" dirty="0" smtClean="0">
+                <a:ln>
+                  <a:noFill/>
+                </a:ln>
+                <a:solidFill>
+                  <a:srgbClr val="333333"/>
+                </a:solidFill>
+                <a:effectLst/>
+                <a:latin typeface="Times New Roman" panose="02020603050405020304" pitchFamily="18" charset="0"/>
+                <a:ea typeface="Open Sans"/>
+                <a:cs typeface="Times New Roman" panose="02020603050405020304" pitchFamily="18" charset="0"/>
+              </a:rPr>
+              <a:t>The Milestones of Language Models</a:t>
+            </a:r>
+            <a:endParaRPr kumimoji="0" lang="en-US" altLang="zh-CN" sz="2000" b="0" i="0" u="none" strike="noStrike" cap="none" normalizeH="0" baseline="0" dirty="0" smtClean="0">
+              <a:ln>
+                <a:noFill/>
+              </a:ln>
+              <a:solidFill>
+                <a:srgbClr val="333333"/>
+              </a:solidFill>
+              <a:effectLst/>
+              <a:latin typeface="Times New Roman" panose="02020603050405020304" pitchFamily="18" charset="0"/>
+              <a:ea typeface="Open Sans"/>
+              <a:cs typeface="Times New Roman" panose="02020603050405020304" pitchFamily="18" charset="0"/>
+            </a:endParaRPr>
+          </a:p>
+          <a:p>
+            <a:pPr marL="800100" lvl="1" indent="-342900" eaLnBrk="0" fontAlgn="base" hangingPunct="0">
+              <a:spcBef>
+                <a:spcPct val="0"/>
+              </a:spcBef>
+              <a:spcAft>
+                <a:spcPct val="0"/>
+              </a:spcAft>
+              <a:buFont typeface="Wingdings" panose="05000000000000000000" pitchFamily="2" charset="2"/>
+              <a:buChar char="p"/>
+            </a:pPr>
+            <a:r>
+              <a:rPr kumimoji="0" lang="zh-CN" altLang="zh-CN" sz="2000" b="0" i="0" u="none" strike="noStrike" cap="none" normalizeH="0" baseline="0" dirty="0" smtClean="0">
+                <a:ln>
+                  <a:noFill/>
+                </a:ln>
+                <a:solidFill>
+                  <a:srgbClr val="333333"/>
+                </a:solidFill>
+                <a:effectLst/>
+                <a:latin typeface="Times New Roman" panose="02020603050405020304" pitchFamily="18" charset="0"/>
+                <a:ea typeface="Open Sans"/>
+                <a:cs typeface="Times New Roman" panose="02020603050405020304" pitchFamily="18" charset="0"/>
+              </a:rPr>
+              <a:t>ChantGPT</a:t>
+            </a:r>
+            <a:r>
+              <a:rPr kumimoji="0" lang="en-US" altLang="zh-CN" sz="2000" b="0" i="0" u="none" strike="noStrike" cap="none" normalizeH="0" baseline="0" dirty="0" smtClean="0">
+                <a:ln>
+                  <a:noFill/>
+                </a:ln>
+                <a:solidFill>
+                  <a:srgbClr val="333333"/>
+                </a:solidFill>
+                <a:effectLst/>
+                <a:latin typeface="Times New Roman" panose="02020603050405020304" pitchFamily="18" charset="0"/>
+                <a:ea typeface="Open Sans"/>
+                <a:cs typeface="Times New Roman" panose="02020603050405020304" pitchFamily="18" charset="0"/>
+              </a:rPr>
+              <a:t> (November</a:t>
+            </a:r>
+            <a:r>
+              <a:rPr kumimoji="0" lang="en-US" altLang="zh-CN" sz="2000" b="0" i="0" u="none" strike="noStrike" cap="none" normalizeH="0" dirty="0" smtClean="0">
+                <a:ln>
+                  <a:noFill/>
+                </a:ln>
+                <a:solidFill>
+                  <a:srgbClr val="333333"/>
+                </a:solidFill>
+                <a:effectLst/>
+                <a:latin typeface="Times New Roman" panose="02020603050405020304" pitchFamily="18" charset="0"/>
+                <a:ea typeface="Open Sans"/>
+                <a:cs typeface="Times New Roman" panose="02020603050405020304" pitchFamily="18" charset="0"/>
+              </a:rPr>
+              <a:t> </a:t>
+            </a:r>
+            <a:r>
+              <a:rPr kumimoji="0" lang="en-US" altLang="zh-CN" sz="2000" b="0" i="0" u="none" strike="noStrike" cap="none" normalizeH="0" baseline="0" dirty="0" smtClean="0">
+                <a:ln>
+                  <a:noFill/>
+                </a:ln>
+                <a:solidFill>
+                  <a:srgbClr val="333333"/>
+                </a:solidFill>
+                <a:effectLst/>
+                <a:latin typeface="Times New Roman" panose="02020603050405020304" pitchFamily="18" charset="0"/>
+                <a:ea typeface="Open Sans"/>
+                <a:cs typeface="Times New Roman" panose="02020603050405020304" pitchFamily="18" charset="0"/>
+              </a:rPr>
+              <a:t>2022)</a:t>
+            </a:r>
+            <a:endParaRPr lang="en-US" altLang="zh-CN" sz="2000" dirty="0">
+              <a:solidFill>
+                <a:srgbClr val="333333"/>
+              </a:solidFill>
+              <a:latin typeface="Times New Roman" panose="02020603050405020304" pitchFamily="18" charset="0"/>
+              <a:ea typeface="Open Sans"/>
+              <a:cs typeface="Times New Roman" panose="02020603050405020304" pitchFamily="18" charset="0"/>
+            </a:endParaRPr>
+          </a:p>
+          <a:p>
+            <a:pPr marL="800100" lvl="1" indent="-342900" eaLnBrk="0" fontAlgn="base" hangingPunct="0">
+              <a:spcBef>
+                <a:spcPct val="0"/>
+              </a:spcBef>
+              <a:spcAft>
+                <a:spcPct val="0"/>
+              </a:spcAft>
+              <a:buFont typeface="Wingdings" panose="05000000000000000000" pitchFamily="2" charset="2"/>
+              <a:buChar char="p"/>
+            </a:pPr>
+            <a:r>
+              <a:rPr kumimoji="0" lang="zh-CN" altLang="zh-CN" sz="2000" b="0" i="0" u="none" strike="noStrike" cap="none" normalizeH="0" baseline="0" dirty="0" smtClean="0">
+                <a:ln>
+                  <a:noFill/>
+                </a:ln>
+                <a:solidFill>
+                  <a:srgbClr val="333333"/>
+                </a:solidFill>
+                <a:effectLst/>
+                <a:latin typeface="Times New Roman" panose="02020603050405020304" pitchFamily="18" charset="0"/>
+                <a:ea typeface="Open Sans"/>
+                <a:cs typeface="Times New Roman" panose="02020603050405020304" pitchFamily="18" charset="0"/>
+              </a:rPr>
+              <a:t>GPT-4V &amp; GPT-4-Turbo</a:t>
+            </a:r>
+            <a:r>
+              <a:rPr kumimoji="0" lang="en-US" altLang="zh-CN" sz="2000" b="0" i="0" u="none" strike="noStrike" cap="none" normalizeH="0" baseline="0" dirty="0" smtClean="0">
+                <a:ln>
+                  <a:noFill/>
+                </a:ln>
+                <a:solidFill>
+                  <a:srgbClr val="333333"/>
+                </a:solidFill>
+                <a:effectLst/>
+                <a:latin typeface="Times New Roman" panose="02020603050405020304" pitchFamily="18" charset="0"/>
+                <a:ea typeface="Open Sans"/>
+                <a:cs typeface="Times New Roman" panose="02020603050405020304" pitchFamily="18" charset="0"/>
+              </a:rPr>
+              <a:t> (2023)</a:t>
+            </a:r>
+            <a:endParaRPr kumimoji="0" lang="zh-CN" altLang="zh-CN" sz="2000" b="0" i="0" u="none" strike="noStrike" cap="none" normalizeH="0" baseline="0" dirty="0" smtClean="0">
+              <a:ln>
+                <a:noFill/>
+              </a:ln>
+              <a:solidFill>
+                <a:srgbClr val="333333"/>
+              </a:solidFill>
+              <a:effectLst/>
+              <a:latin typeface="Times New Roman" panose="02020603050405020304" pitchFamily="18" charset="0"/>
+              <a:ea typeface="Open Sans"/>
+              <a:cs typeface="Times New Roman" panose="02020603050405020304" pitchFamily="18" charset="0"/>
+            </a:endParaRPr>
+          </a:p>
+          <a:p>
+            <a:pPr marL="342900" marR="0" lvl="0" indent="-342900" algn="l" defTabSz="914400" rtl="0" eaLnBrk="0" fontAlgn="base" latinLnBrk="0" hangingPunct="0">
+              <a:lnSpc>
+                <a:spcPct val="100000"/>
+              </a:lnSpc>
+              <a:spcBef>
+                <a:spcPct val="0"/>
+              </a:spcBef>
+              <a:spcAft>
+                <a:spcPct val="0"/>
+              </a:spcAft>
+              <a:buClrTx/>
+              <a:buSzTx/>
+              <a:buFont typeface="Wingdings" panose="05000000000000000000" pitchFamily="2" charset="2"/>
+              <a:buChar char="n"/>
+              <a:tabLst/>
+            </a:pPr>
+            <a:r>
+              <a:rPr kumimoji="0" lang="zh-CN" altLang="zh-CN" sz="2000" b="0" i="0" u="none" strike="noStrike" cap="none" normalizeH="0" baseline="0" dirty="0" smtClean="0">
+                <a:ln>
+                  <a:noFill/>
+                </a:ln>
+                <a:solidFill>
+                  <a:srgbClr val="333333"/>
+                </a:solidFill>
+                <a:effectLst/>
+                <a:latin typeface="Times New Roman" panose="02020603050405020304" pitchFamily="18" charset="0"/>
+                <a:ea typeface="Open Sans"/>
+                <a:cs typeface="Times New Roman" panose="02020603050405020304" pitchFamily="18" charset="0"/>
+              </a:rPr>
+              <a:t>Future</a:t>
+            </a:r>
+            <a:endParaRPr kumimoji="0" lang="en-US" altLang="zh-CN" sz="2000" b="0" i="0" u="none" strike="noStrike" cap="none" normalizeH="0" baseline="0" dirty="0" smtClean="0">
+              <a:ln>
+                <a:noFill/>
+              </a:ln>
+              <a:solidFill>
+                <a:srgbClr val="333333"/>
+              </a:solidFill>
+              <a:effectLst/>
+              <a:latin typeface="Times New Roman" panose="02020603050405020304" pitchFamily="18" charset="0"/>
+              <a:ea typeface="Open Sans"/>
+              <a:cs typeface="Times New Roman" panose="02020603050405020304" pitchFamily="18" charset="0"/>
+            </a:endParaRPr>
+          </a:p>
+          <a:p>
+            <a:pPr marL="800100" lvl="1" indent="-342900" eaLnBrk="0" fontAlgn="base" hangingPunct="0">
+              <a:spcBef>
+                <a:spcPct val="0"/>
+              </a:spcBef>
+              <a:spcAft>
+                <a:spcPct val="0"/>
+              </a:spcAft>
+              <a:buFont typeface="Wingdings" panose="05000000000000000000" pitchFamily="2" charset="2"/>
+              <a:buChar char="p"/>
+            </a:pPr>
+            <a:r>
+              <a:rPr kumimoji="0" lang="zh-CN" altLang="zh-CN" sz="2000" b="0" i="0" u="none" strike="noStrike" cap="none" normalizeH="0" baseline="0" dirty="0" smtClean="0">
+                <a:ln>
+                  <a:noFill/>
+                </a:ln>
+                <a:solidFill>
+                  <a:srgbClr val="333333"/>
+                </a:solidFill>
+                <a:effectLst/>
+                <a:latin typeface="Times New Roman" panose="02020603050405020304" pitchFamily="18" charset="0"/>
+                <a:ea typeface="Open Sans"/>
+                <a:cs typeface="Times New Roman" panose="02020603050405020304" pitchFamily="18" charset="0"/>
+              </a:rPr>
+              <a:t>GPT-4o (May 2024)</a:t>
+            </a:r>
+            <a:endParaRPr kumimoji="0" lang="en-US" altLang="zh-CN" sz="2000" b="0" i="0" u="none" strike="noStrike" cap="none" normalizeH="0" baseline="0" dirty="0" smtClean="0">
+              <a:ln>
+                <a:noFill/>
+              </a:ln>
+              <a:solidFill>
+                <a:srgbClr val="333333"/>
+              </a:solidFill>
+              <a:effectLst/>
+              <a:latin typeface="Times New Roman" panose="02020603050405020304" pitchFamily="18" charset="0"/>
+              <a:ea typeface="Open Sans"/>
+              <a:cs typeface="Times New Roman" panose="02020603050405020304" pitchFamily="18" charset="0"/>
+            </a:endParaRPr>
+          </a:p>
+          <a:p>
+            <a:pPr marL="800100" lvl="1" indent="-342900" eaLnBrk="0" fontAlgn="base" hangingPunct="0">
+              <a:spcBef>
+                <a:spcPct val="0"/>
+              </a:spcBef>
+              <a:spcAft>
+                <a:spcPct val="0"/>
+              </a:spcAft>
+              <a:buFont typeface="Wingdings" panose="05000000000000000000" pitchFamily="2" charset="2"/>
+              <a:buChar char="p"/>
+            </a:pPr>
+            <a:r>
+              <a:rPr kumimoji="0" lang="zh-CN" altLang="zh-CN" sz="2000" b="0" i="0" u="none" strike="noStrike" cap="none" normalizeH="0" baseline="0" dirty="0" smtClean="0">
+                <a:ln>
+                  <a:noFill/>
+                </a:ln>
+                <a:solidFill>
+                  <a:srgbClr val="333333"/>
+                </a:solidFill>
+                <a:effectLst/>
+                <a:latin typeface="Times New Roman" panose="02020603050405020304" pitchFamily="18" charset="0"/>
+                <a:ea typeface="Open Sans"/>
+                <a:cs typeface="Times New Roman" panose="02020603050405020304" pitchFamily="18" charset="0"/>
+              </a:rPr>
+              <a:t>AGI/Superintelligence (before 2030)</a:t>
+            </a:r>
+          </a:p>
+          <a:p>
+            <a:pPr marL="571500" marR="0" lvl="0" indent="-571500" algn="l" defTabSz="914400" rtl="0" eaLnBrk="0" fontAlgn="base" latinLnBrk="0" hangingPunct="0">
+              <a:lnSpc>
+                <a:spcPct val="100000"/>
+              </a:lnSpc>
+              <a:spcBef>
+                <a:spcPct val="0"/>
+              </a:spcBef>
+              <a:spcAft>
+                <a:spcPct val="0"/>
+              </a:spcAft>
+              <a:buClrTx/>
+              <a:buSzTx/>
+              <a:buFont typeface="Wingdings" panose="05000000000000000000" pitchFamily="2" charset="2"/>
+              <a:buChar char="p"/>
+              <a:tabLst/>
+            </a:pPr>
+            <a:endParaRPr kumimoji="0" lang="zh-CN" altLang="zh-CN" sz="3200" b="0" i="0" u="none" strike="noStrike" cap="none" normalizeH="0" baseline="0" dirty="0" smtClean="0">
+              <a:ln>
+                <a:noFill/>
+              </a:ln>
+              <a:solidFill>
+                <a:schemeClr val="tx1"/>
+              </a:solidFill>
+              <a:effectLst/>
+              <a:latin typeface="Times New Roman" panose="02020603050405020304" pitchFamily="18" charset="0"/>
+              <a:cs typeface="Times New Roman" panose="02020603050405020304" pitchFamily="18" charset="0"/>
+            </a:endParaRPr>
+          </a:p>
+        </p:txBody>
+      </p:sp>
+      <p:pic>
+        <p:nvPicPr>
+          <p:cNvPr id="9" name="图片 8"/>
+          <p:cNvPicPr>
+            <a:picLocks noChangeAspect="1"/>
+          </p:cNvPicPr>
+          <p:nvPr/>
+        </p:nvPicPr>
+        <p:blipFill rotWithShape="1">
+          <a:blip r:embed="rId3">
+            <a:extLst>
+              <a:ext uri="{28A0092B-C50C-407E-A947-70E740481C1C}">
+                <a14:useLocalDpi xmlns:a14="http://schemas.microsoft.com/office/drawing/2010/main" val="0"/>
+              </a:ext>
+            </a:extLst>
+          </a:blip>
+          <a:srcRect l="5416"/>
+          <a:stretch/>
+        </p:blipFill>
+        <p:spPr>
+          <a:xfrm>
+            <a:off x="5407575" y="1620253"/>
+            <a:ext cx="6332571" cy="3769894"/>
+          </a:xfrm>
+          <a:prstGeom prst="rect">
+            <a:avLst/>
+          </a:prstGeom>
+        </p:spPr>
+      </p:pic>
+      <p:sp>
+        <p:nvSpPr>
+          <p:cNvPr id="14" name="矩形 13"/>
+          <p:cNvSpPr/>
+          <p:nvPr/>
+        </p:nvSpPr>
+        <p:spPr>
+          <a:xfrm>
+            <a:off x="0" y="6119048"/>
+            <a:ext cx="6079959" cy="276999"/>
+          </a:xfrm>
+          <a:prstGeom prst="rect">
+            <a:avLst/>
+          </a:prstGeom>
+        </p:spPr>
+        <p:txBody>
+          <a:bodyPr wrap="square">
+            <a:spAutoFit/>
+          </a:bodyPr>
+          <a:lstStyle/>
+          <a:p>
+            <a:r>
+              <a:rPr lang="en-US" altLang="zh-CN" sz="1200" dirty="0" smtClean="0">
+                <a:latin typeface="Times New Roman" panose="02020603050405020304" pitchFamily="18" charset="0"/>
+                <a:cs typeface="Times New Roman" panose="02020603050405020304" pitchFamily="18" charset="0"/>
+              </a:rPr>
+              <a:t>1. </a:t>
+            </a:r>
+            <a:r>
+              <a:rPr lang="en-US" altLang="zh-CN" sz="1200" dirty="0" smtClean="0">
+                <a:latin typeface="Times New Roman" panose="02020603050405020304" pitchFamily="18" charset="0"/>
+                <a:cs typeface="Times New Roman" panose="02020603050405020304" pitchFamily="18" charset="0"/>
+                <a:hlinkClick r:id="rId4"/>
+              </a:rPr>
+              <a:t>https</a:t>
+            </a:r>
+            <a:r>
+              <a:rPr lang="en-US" altLang="zh-CN" sz="1200" dirty="0">
+                <a:latin typeface="Times New Roman" panose="02020603050405020304" pitchFamily="18" charset="0"/>
+                <a:cs typeface="Times New Roman" panose="02020603050405020304" pitchFamily="18" charset="0"/>
+                <a:hlinkClick r:id="rId4"/>
+              </a:rPr>
+              <a:t>://www.tomsguide.com/news/chatgpt</a:t>
+            </a:r>
+            <a:endParaRPr lang="en-US" altLang="zh-CN" sz="1200" dirty="0">
+              <a:effectLst/>
+              <a:latin typeface="Times New Roman" panose="02020603050405020304" pitchFamily="18" charset="0"/>
+              <a:cs typeface="Times New Roman" panose="02020603050405020304" pitchFamily="18" charset="0"/>
+            </a:endParaRPr>
+          </a:p>
+        </p:txBody>
+      </p:sp>
+      <p:sp>
+        <p:nvSpPr>
+          <p:cNvPr id="15" name="文本框 14"/>
+          <p:cNvSpPr txBox="1"/>
+          <p:nvPr/>
+        </p:nvSpPr>
+        <p:spPr>
+          <a:xfrm>
+            <a:off x="5919536" y="5578264"/>
+            <a:ext cx="5662864" cy="646331"/>
+          </a:xfrm>
+          <a:prstGeom prst="rect">
+            <a:avLst/>
+          </a:prstGeom>
+          <a:noFill/>
+        </p:spPr>
+        <p:txBody>
+          <a:bodyPr wrap="square" rtlCol="0">
+            <a:spAutoFit/>
+          </a:bodyPr>
+          <a:lstStyle/>
+          <a:p>
+            <a:pPr algn="ctr"/>
+            <a:r>
+              <a:rPr lang="en-US" altLang="zh-CN" b="1" dirty="0" err="1" smtClean="0">
+                <a:latin typeface="Times New Roman" panose="02020603050405020304" pitchFamily="18" charset="0"/>
+                <a:cs typeface="Times New Roman" panose="02020603050405020304" pitchFamily="18" charset="0"/>
+              </a:rPr>
+              <a:t>ChatGPT</a:t>
+            </a:r>
+            <a:r>
+              <a:rPr lang="en-US" altLang="zh-CN" b="1" dirty="0" smtClean="0">
+                <a:latin typeface="Times New Roman" panose="02020603050405020304" pitchFamily="18" charset="0"/>
+                <a:cs typeface="Times New Roman" panose="02020603050405020304" pitchFamily="18" charset="0"/>
+              </a:rPr>
+              <a:t> Conception</a:t>
+            </a:r>
+            <a:r>
+              <a:rPr lang="en-US" altLang="zh-CN" b="1" baseline="30000" dirty="0" smtClean="0">
+                <a:latin typeface="Times New Roman" panose="02020603050405020304" pitchFamily="18" charset="0"/>
+                <a:cs typeface="Times New Roman" panose="02020603050405020304" pitchFamily="18" charset="0"/>
+              </a:rPr>
+              <a:t>1</a:t>
+            </a:r>
+            <a:r>
+              <a:rPr lang="en-US" altLang="zh-CN" b="1" dirty="0" smtClean="0">
+                <a:latin typeface="Times New Roman" panose="02020603050405020304" pitchFamily="18" charset="0"/>
+                <a:cs typeface="Times New Roman" panose="02020603050405020304" pitchFamily="18" charset="0"/>
+              </a:rPr>
+              <a:t> </a:t>
+            </a:r>
+          </a:p>
+          <a:p>
+            <a:pPr algn="ctr"/>
+            <a:r>
+              <a:rPr lang="en-US" altLang="zh-CN" dirty="0" smtClean="0">
+                <a:latin typeface="Times New Roman" panose="02020603050405020304" pitchFamily="18" charset="0"/>
+                <a:cs typeface="Times New Roman" panose="02020603050405020304" pitchFamily="18" charset="0"/>
+              </a:rPr>
+              <a:t>(Image </a:t>
+            </a:r>
+            <a:r>
+              <a:rPr lang="en-US" altLang="zh-CN" dirty="0">
+                <a:latin typeface="Times New Roman" panose="02020603050405020304" pitchFamily="18" charset="0"/>
+                <a:cs typeface="Times New Roman" panose="02020603050405020304" pitchFamily="18" charset="0"/>
+              </a:rPr>
+              <a:t>credit: </a:t>
+            </a:r>
+            <a:r>
+              <a:rPr lang="en-US" altLang="zh-CN" dirty="0" err="1" smtClean="0">
+                <a:latin typeface="Times New Roman" panose="02020603050405020304" pitchFamily="18" charset="0"/>
+                <a:cs typeface="Times New Roman" panose="02020603050405020304" pitchFamily="18" charset="0"/>
+              </a:rPr>
+              <a:t>Shutterstock</a:t>
+            </a:r>
+            <a:r>
+              <a:rPr lang="en-US" altLang="zh-CN" dirty="0" smtClean="0">
+                <a:latin typeface="Times New Roman" panose="02020603050405020304" pitchFamily="18" charset="0"/>
+                <a:cs typeface="Times New Roman" panose="02020603050405020304" pitchFamily="18" charset="0"/>
+              </a:rPr>
+              <a:t>)</a:t>
+            </a:r>
+            <a:endParaRPr lang="zh-CN" altLang="en-US" dirty="0">
+              <a:latin typeface="Times New Roman" panose="02020603050405020304" pitchFamily="18" charset="0"/>
+              <a:cs typeface="Times New Roman" panose="02020603050405020304" pitchFamily="18" charset="0"/>
+            </a:endParaRPr>
+          </a:p>
+        </p:txBody>
+      </p:sp>
+    </p:spTree>
+    <p:extLst>
+      <p:ext uri="{BB962C8B-B14F-4D97-AF65-F5344CB8AC3E}">
+        <p14:creationId xmlns:p14="http://schemas.microsoft.com/office/powerpoint/2010/main" val="1426786293"/>
+      </p:ext>
+    </p:extLst>
+  </p:cSld>
+  <p:clrMapOvr>
+    <a:masterClrMapping/>
+  </p:clrMapOvr>
+  <p:timing>
+    <p:tnLst>
+      <p:par>
+        <p:cTn id="1" dur="indefinite" restart="never" nodeType="tmRoot"/>
+      </p:par>
+    </p:tnLst>
+  </p:timing>
+</p:sld>
+</file>
+
+<file path=ppt/slides/slide3.xml><?xml version="1.0" encoding="utf-8"?>
+<p:sld xmlns:a="http://schemas.openxmlformats.org/drawingml/2006/main" xmlns:r="http://schemas.openxmlformats.org/officeDocument/2006/relationships" xmlns:p="http://schemas.openxmlformats.org/presentationml/2006/main">
+  <p:cSld>
+    <p:spTree>
+      <p:nvGrpSpPr>
+        <p:cNvPr id="1" name=""/>
+        <p:cNvGrpSpPr/>
+        <p:nvPr/>
+      </p:nvGrpSpPr>
+      <p:grpSpPr>
+        <a:xfrm>
+          <a:off x="0" y="0"/>
+          <a:ext cx="0" cy="0"/>
+          <a:chOff x="0" y="0"/>
+          <a:chExt cx="0" cy="0"/>
+        </a:xfrm>
+      </p:grpSpPr>
+      <p:pic>
+        <p:nvPicPr>
+          <p:cNvPr id="4" name="图片 3"/>
+          <p:cNvPicPr>
+            <a:picLocks noChangeAspect="1"/>
+          </p:cNvPicPr>
+          <p:nvPr/>
+        </p:nvPicPr>
+        <p:blipFill>
+          <a:blip r:embed="rId2" cstate="print">
+            <a:extLst>
+              <a:ext uri="{28A0092B-C50C-407E-A947-70E740481C1C}">
+                <a14:useLocalDpi xmlns:a14="http://schemas.microsoft.com/office/drawing/2010/main" val="0"/>
+              </a:ext>
+            </a:extLst>
+          </a:blip>
+          <a:stretch>
+            <a:fillRect/>
+          </a:stretch>
+        </p:blipFill>
+        <p:spPr>
+          <a:xfrm>
+            <a:off x="114302" y="60394"/>
+            <a:ext cx="1164329" cy="632064"/>
+          </a:xfrm>
+          <a:prstGeom prst="rect">
+            <a:avLst/>
+          </a:prstGeom>
+        </p:spPr>
+      </p:pic>
+      <p:sp>
+        <p:nvSpPr>
+          <p:cNvPr id="3" name="矩形 2"/>
+          <p:cNvSpPr/>
+          <p:nvPr/>
+        </p:nvSpPr>
+        <p:spPr>
+          <a:xfrm>
+            <a:off x="140664" y="1296453"/>
+            <a:ext cx="5425292" cy="4708981"/>
+          </a:xfrm>
+          <a:prstGeom prst="rect">
+            <a:avLst/>
+          </a:prstGeom>
+        </p:spPr>
+        <p:txBody>
+          <a:bodyPr wrap="square">
+            <a:spAutoFit/>
+          </a:bodyPr>
+          <a:lstStyle/>
+          <a:p>
+            <a:r>
+              <a:rPr lang="en-US" altLang="zh-CN" sz="2000" dirty="0" err="1" smtClean="0">
+                <a:latin typeface="Times New Roman" panose="02020603050405020304" pitchFamily="18" charset="0"/>
+                <a:cs typeface="Times New Roman" panose="02020603050405020304" pitchFamily="18" charset="0"/>
+              </a:rPr>
+              <a:t>OpenAI</a:t>
+            </a:r>
+            <a:r>
+              <a:rPr lang="en-US" altLang="zh-CN" sz="2000" dirty="0" smtClean="0">
+                <a:latin typeface="Times New Roman" panose="02020603050405020304" pitchFamily="18" charset="0"/>
+                <a:cs typeface="Times New Roman" panose="02020603050405020304" pitchFamily="18" charset="0"/>
+              </a:rPr>
+              <a:t> </a:t>
+            </a:r>
+            <a:r>
+              <a:rPr lang="en-US" altLang="zh-CN" sz="2000" dirty="0">
+                <a:latin typeface="Times New Roman" panose="02020603050405020304" pitchFamily="18" charset="0"/>
+                <a:cs typeface="Times New Roman" panose="02020603050405020304" pitchFamily="18" charset="0"/>
+              </a:rPr>
+              <a:t>is a </a:t>
+            </a:r>
+            <a:r>
+              <a:rPr lang="en-US" altLang="zh-CN" sz="2000" u="sng" dirty="0">
+                <a:latin typeface="Times New Roman" panose="02020603050405020304" pitchFamily="18" charset="0"/>
+                <a:cs typeface="Times New Roman" panose="02020603050405020304" pitchFamily="18" charset="0"/>
+              </a:rPr>
+              <a:t>non-profit artificial intelligence research company</a:t>
+            </a:r>
+            <a:r>
+              <a:rPr lang="en-US" altLang="zh-CN" sz="2000" dirty="0">
+                <a:latin typeface="Times New Roman" panose="02020603050405020304" pitchFamily="18" charset="0"/>
+                <a:cs typeface="Times New Roman" panose="02020603050405020304" pitchFamily="18" charset="0"/>
+              </a:rPr>
+              <a:t>. Our </a:t>
+            </a:r>
+            <a:r>
+              <a:rPr lang="en-US" altLang="zh-CN" sz="2000" dirty="0">
+                <a:solidFill>
+                  <a:srgbClr val="FF0000"/>
+                </a:solidFill>
+                <a:latin typeface="Times New Roman" panose="02020603050405020304" pitchFamily="18" charset="0"/>
+                <a:cs typeface="Times New Roman" panose="02020603050405020304" pitchFamily="18" charset="0"/>
+              </a:rPr>
+              <a:t>goal</a:t>
+            </a:r>
+            <a:r>
+              <a:rPr lang="en-US" altLang="zh-CN" sz="2000" dirty="0">
+                <a:latin typeface="Times New Roman" panose="02020603050405020304" pitchFamily="18" charset="0"/>
+                <a:cs typeface="Times New Roman" panose="02020603050405020304" pitchFamily="18" charset="0"/>
+              </a:rPr>
+              <a:t> is to advance digital intelligence in the way that is most likely to benefit humanity as a whole, unconstrained by a need to generate financial return. Since our research is free from financial obligations, we can better focus on a positive human impact</a:t>
+            </a:r>
+            <a:r>
+              <a:rPr lang="en-US" altLang="zh-CN" sz="2000" dirty="0" smtClean="0">
+                <a:latin typeface="Times New Roman" panose="02020603050405020304" pitchFamily="18" charset="0"/>
+                <a:cs typeface="Times New Roman" panose="02020603050405020304" pitchFamily="18" charset="0"/>
+              </a:rPr>
+              <a:t>.</a:t>
+            </a:r>
+          </a:p>
+          <a:p>
+            <a:endParaRPr lang="en-US" altLang="zh-CN" sz="2000" dirty="0">
+              <a:latin typeface="Times New Roman" panose="02020603050405020304" pitchFamily="18" charset="0"/>
+              <a:cs typeface="Times New Roman" panose="02020603050405020304" pitchFamily="18" charset="0"/>
+            </a:endParaRPr>
+          </a:p>
+          <a:p>
+            <a:r>
+              <a:rPr lang="en-US" altLang="zh-CN" sz="2000" dirty="0" smtClean="0">
+                <a:latin typeface="Times New Roman" panose="02020603050405020304" pitchFamily="18" charset="0"/>
+                <a:cs typeface="Times New Roman" panose="02020603050405020304" pitchFamily="18" charset="0"/>
+              </a:rPr>
+              <a:t>We </a:t>
+            </a:r>
+            <a:r>
+              <a:rPr lang="en-US" altLang="zh-CN" sz="2000" dirty="0">
+                <a:latin typeface="Times New Roman" panose="02020603050405020304" pitchFamily="18" charset="0"/>
+                <a:cs typeface="Times New Roman" panose="02020603050405020304" pitchFamily="18" charset="0"/>
+              </a:rPr>
+              <a:t>believe AI should be an extension of individual human wills and, in the spirit of liberty, as broadly and evenly distributed as possible. The outcome of this venture is </a:t>
+            </a:r>
+            <a:r>
+              <a:rPr lang="en-US" altLang="zh-CN" sz="2000" dirty="0">
+                <a:solidFill>
+                  <a:srgbClr val="FF0000"/>
+                </a:solidFill>
+                <a:latin typeface="Times New Roman" panose="02020603050405020304" pitchFamily="18" charset="0"/>
+                <a:cs typeface="Times New Roman" panose="02020603050405020304" pitchFamily="18" charset="0"/>
+              </a:rPr>
+              <a:t>uncertain</a:t>
+            </a:r>
+            <a:r>
+              <a:rPr lang="en-US" altLang="zh-CN" sz="2000" dirty="0">
+                <a:latin typeface="Times New Roman" panose="02020603050405020304" pitchFamily="18" charset="0"/>
+                <a:cs typeface="Times New Roman" panose="02020603050405020304" pitchFamily="18" charset="0"/>
+              </a:rPr>
+              <a:t> and the work is </a:t>
+            </a:r>
+            <a:r>
+              <a:rPr lang="en-US" altLang="zh-CN" sz="2000" dirty="0">
+                <a:solidFill>
+                  <a:srgbClr val="FF0000"/>
+                </a:solidFill>
+                <a:latin typeface="Times New Roman" panose="02020603050405020304" pitchFamily="18" charset="0"/>
+                <a:cs typeface="Times New Roman" panose="02020603050405020304" pitchFamily="18" charset="0"/>
+              </a:rPr>
+              <a:t>difficult</a:t>
+            </a:r>
+            <a:r>
+              <a:rPr lang="en-US" altLang="zh-CN" sz="2000" dirty="0">
+                <a:latin typeface="Times New Roman" panose="02020603050405020304" pitchFamily="18" charset="0"/>
+                <a:cs typeface="Times New Roman" panose="02020603050405020304" pitchFamily="18" charset="0"/>
+              </a:rPr>
+              <a:t>, but we believe the goal and the structure are </a:t>
+            </a:r>
+            <a:r>
+              <a:rPr lang="en-US" altLang="zh-CN" sz="2000" dirty="0">
+                <a:solidFill>
+                  <a:srgbClr val="FF0000"/>
+                </a:solidFill>
+                <a:latin typeface="Times New Roman" panose="02020603050405020304" pitchFamily="18" charset="0"/>
+                <a:cs typeface="Times New Roman" panose="02020603050405020304" pitchFamily="18" charset="0"/>
+              </a:rPr>
+              <a:t>right</a:t>
+            </a:r>
+            <a:r>
+              <a:rPr lang="en-US" altLang="zh-CN" sz="2000" dirty="0">
+                <a:latin typeface="Times New Roman" panose="02020603050405020304" pitchFamily="18" charset="0"/>
+                <a:cs typeface="Times New Roman" panose="02020603050405020304" pitchFamily="18" charset="0"/>
+              </a:rPr>
+              <a:t>. We hope this is what matters most to the best in the </a:t>
+            </a:r>
+            <a:r>
+              <a:rPr lang="en-US" altLang="zh-CN" sz="2000" dirty="0" smtClean="0">
+                <a:latin typeface="Times New Roman" panose="02020603050405020304" pitchFamily="18" charset="0"/>
+                <a:cs typeface="Times New Roman" panose="02020603050405020304" pitchFamily="18" charset="0"/>
+              </a:rPr>
+              <a:t>field</a:t>
+            </a:r>
+            <a:r>
+              <a:rPr lang="en-US" altLang="zh-CN" sz="2000" baseline="30000" dirty="0">
+                <a:latin typeface="Times New Roman" panose="02020603050405020304" pitchFamily="18" charset="0"/>
+                <a:cs typeface="Times New Roman" panose="02020603050405020304" pitchFamily="18" charset="0"/>
+              </a:rPr>
+              <a:t> </a:t>
+            </a:r>
+            <a:r>
+              <a:rPr lang="en-US" altLang="zh-CN" sz="2000" dirty="0">
+                <a:latin typeface="Times New Roman" panose="02020603050405020304" pitchFamily="18" charset="0"/>
+                <a:cs typeface="Times New Roman" panose="02020603050405020304" pitchFamily="18" charset="0"/>
+              </a:rPr>
+              <a:t>(</a:t>
+            </a:r>
+            <a:r>
+              <a:rPr lang="en-US" altLang="zh-CN" sz="2000" dirty="0" err="1">
+                <a:solidFill>
+                  <a:schemeClr val="accent1"/>
+                </a:solidFill>
+                <a:latin typeface="Times New Roman" panose="02020603050405020304" pitchFamily="18" charset="0"/>
+                <a:cs typeface="Times New Roman" panose="02020603050405020304" pitchFamily="18" charset="0"/>
+              </a:rPr>
+              <a:t>OpenAI</a:t>
+            </a:r>
+            <a:r>
+              <a:rPr lang="en-US" altLang="zh-CN" sz="2000" dirty="0">
+                <a:solidFill>
+                  <a:schemeClr val="accent1"/>
+                </a:solidFill>
+                <a:latin typeface="Times New Roman" panose="02020603050405020304" pitchFamily="18" charset="0"/>
+                <a:cs typeface="Times New Roman" panose="02020603050405020304" pitchFamily="18" charset="0"/>
+              </a:rPr>
+              <a:t>, 2015</a:t>
+            </a:r>
+            <a:r>
+              <a:rPr lang="en-US" altLang="zh-CN" sz="2000" dirty="0">
+                <a:latin typeface="Times New Roman" panose="02020603050405020304" pitchFamily="18" charset="0"/>
+                <a:cs typeface="Times New Roman" panose="02020603050405020304" pitchFamily="18" charset="0"/>
+              </a:rPr>
+              <a:t>)</a:t>
+            </a:r>
+            <a:r>
+              <a:rPr lang="en-US" altLang="zh-CN" sz="2000" dirty="0" smtClean="0">
+                <a:latin typeface="Times New Roman" panose="02020603050405020304" pitchFamily="18" charset="0"/>
+                <a:cs typeface="Times New Roman" panose="02020603050405020304" pitchFamily="18" charset="0"/>
+              </a:rPr>
+              <a:t>.</a:t>
+            </a:r>
+            <a:endParaRPr lang="zh-CN" altLang="en-US" sz="2000" baseline="30000" dirty="0">
+              <a:latin typeface="Times New Roman" panose="02020603050405020304" pitchFamily="18" charset="0"/>
+              <a:cs typeface="Times New Roman" panose="02020603050405020304" pitchFamily="18" charset="0"/>
+            </a:endParaRPr>
+          </a:p>
+        </p:txBody>
+      </p:sp>
+      <p:cxnSp>
+        <p:nvCxnSpPr>
+          <p:cNvPr id="7" name="直接连接符 6"/>
+          <p:cNvCxnSpPr/>
+          <p:nvPr/>
+        </p:nvCxnSpPr>
+        <p:spPr>
+          <a:xfrm>
+            <a:off x="0" y="6418555"/>
+            <a:ext cx="12192000" cy="0"/>
+          </a:xfrm>
+          <a:prstGeom prst="line">
+            <a:avLst/>
+          </a:prstGeom>
+        </p:spPr>
+        <p:style>
+          <a:lnRef idx="1">
+            <a:schemeClr val="accent1"/>
+          </a:lnRef>
+          <a:fillRef idx="0">
+            <a:schemeClr val="accent1"/>
+          </a:fillRef>
+          <a:effectRef idx="0">
+            <a:schemeClr val="accent1"/>
+          </a:effectRef>
+          <a:fontRef idx="minor">
+            <a:schemeClr val="tx1"/>
+          </a:fontRef>
+        </p:style>
+      </p:cxnSp>
+      <p:sp>
+        <p:nvSpPr>
+          <p:cNvPr id="10" name="文本框 9"/>
+          <p:cNvSpPr txBox="1"/>
+          <p:nvPr/>
+        </p:nvSpPr>
+        <p:spPr>
+          <a:xfrm>
+            <a:off x="1278631" y="0"/>
+            <a:ext cx="5989835" cy="707886"/>
+          </a:xfrm>
+          <a:prstGeom prst="rect">
+            <a:avLst/>
+          </a:prstGeom>
+          <a:noFill/>
+        </p:spPr>
+        <p:txBody>
+          <a:bodyPr wrap="square" rtlCol="0">
+            <a:spAutoFit/>
+          </a:bodyPr>
+          <a:lstStyle/>
+          <a:p>
+            <a:r>
+              <a:rPr lang="en-US" altLang="zh-CN" sz="4000" b="1" dirty="0">
+                <a:latin typeface="Times New Roman" panose="02020603050405020304" pitchFamily="18" charset="0"/>
+              </a:rPr>
+              <a:t>Background</a:t>
+            </a:r>
+            <a:endParaRPr lang="zh-CN" altLang="en-US" sz="4000" b="1" dirty="0">
+              <a:latin typeface="Times New Roman" panose="02020603050405020304" pitchFamily="18" charset="0"/>
+            </a:endParaRPr>
+          </a:p>
+        </p:txBody>
+      </p:sp>
+      <p:sp>
+        <p:nvSpPr>
+          <p:cNvPr id="2" name="矩形 1"/>
+          <p:cNvSpPr/>
+          <p:nvPr/>
+        </p:nvSpPr>
+        <p:spPr>
+          <a:xfrm>
+            <a:off x="1045347" y="759351"/>
+            <a:ext cx="3615926" cy="461665"/>
+          </a:xfrm>
+          <a:prstGeom prst="rect">
+            <a:avLst/>
+          </a:prstGeom>
+        </p:spPr>
+        <p:txBody>
+          <a:bodyPr wrap="none">
+            <a:spAutoFit/>
+          </a:bodyPr>
+          <a:lstStyle/>
+          <a:p>
+            <a:pPr marL="285750" indent="-285750">
+              <a:buFont typeface="Wingdings" panose="05000000000000000000" pitchFamily="2" charset="2"/>
+              <a:buChar char="p"/>
+            </a:pPr>
+            <a:r>
+              <a:rPr lang="zh-CN" altLang="en-US" sz="2400" b="1" dirty="0">
+                <a:latin typeface="Times New Roman" panose="02020603050405020304" pitchFamily="18" charset="0"/>
+                <a:cs typeface="Times New Roman" panose="02020603050405020304" pitchFamily="18" charset="0"/>
+              </a:rPr>
+              <a:t>Introduction </a:t>
+            </a:r>
+            <a:r>
+              <a:rPr lang="zh-CN" altLang="en-US" sz="2400" b="1" dirty="0" smtClean="0">
+                <a:latin typeface="Times New Roman" panose="02020603050405020304" pitchFamily="18" charset="0"/>
+                <a:cs typeface="Times New Roman" panose="02020603050405020304" pitchFamily="18" charset="0"/>
+              </a:rPr>
+              <a:t>to </a:t>
+            </a:r>
+            <a:r>
+              <a:rPr lang="en-US" altLang="zh-CN" sz="2400" b="1" dirty="0" err="1" smtClean="0">
+                <a:latin typeface="Times New Roman" panose="02020603050405020304" pitchFamily="18" charset="0"/>
+                <a:cs typeface="Times New Roman" panose="02020603050405020304" pitchFamily="18" charset="0"/>
+              </a:rPr>
+              <a:t>OpenAI</a:t>
+            </a:r>
+            <a:endParaRPr lang="zh-CN" altLang="en-US" sz="2400" b="1" dirty="0">
+              <a:latin typeface="Times New Roman" panose="02020603050405020304" pitchFamily="18" charset="0"/>
+              <a:cs typeface="Times New Roman" panose="02020603050405020304" pitchFamily="18" charset="0"/>
+            </a:endParaRPr>
+          </a:p>
+        </p:txBody>
+      </p:sp>
+      <p:grpSp>
+        <p:nvGrpSpPr>
+          <p:cNvPr id="12" name="组合 11"/>
+          <p:cNvGrpSpPr/>
+          <p:nvPr/>
+        </p:nvGrpSpPr>
+        <p:grpSpPr>
+          <a:xfrm>
+            <a:off x="5718846" y="1588168"/>
+            <a:ext cx="6128867" cy="4004629"/>
+            <a:chOff x="6197600" y="1169551"/>
+            <a:chExt cx="5696992" cy="3514890"/>
+          </a:xfrm>
+        </p:grpSpPr>
+        <p:sp>
+          <p:nvSpPr>
+            <p:cNvPr id="5" name="文本框 4"/>
+            <p:cNvSpPr txBox="1"/>
+            <p:nvPr/>
+          </p:nvSpPr>
+          <p:spPr>
+            <a:xfrm>
+              <a:off x="6415334" y="4117152"/>
+              <a:ext cx="5261524" cy="567289"/>
+            </a:xfrm>
+            <a:prstGeom prst="rect">
+              <a:avLst/>
+            </a:prstGeom>
+            <a:noFill/>
+          </p:spPr>
+          <p:txBody>
+            <a:bodyPr wrap="square" rtlCol="0">
+              <a:spAutoFit/>
+            </a:bodyPr>
+            <a:lstStyle/>
+            <a:p>
+              <a:pPr algn="ctr"/>
+              <a:r>
+                <a:rPr lang="en-US" altLang="zh-CN" b="1" dirty="0" smtClean="0">
+                  <a:latin typeface="Times New Roman" panose="02020603050405020304" pitchFamily="18" charset="0"/>
+                  <a:cs typeface="Times New Roman" panose="02020603050405020304" pitchFamily="18" charset="0"/>
+                </a:rPr>
+                <a:t>Former </a:t>
+              </a:r>
+              <a:r>
+                <a:rPr lang="en-US" altLang="zh-CN" b="1" dirty="0">
+                  <a:latin typeface="Times New Roman" panose="02020603050405020304" pitchFamily="18" charset="0"/>
+                  <a:cs typeface="Times New Roman" panose="02020603050405020304" pitchFamily="18" charset="0"/>
+                </a:rPr>
+                <a:t>headquarters at the Pioneer Building in San Francisco.</a:t>
+              </a:r>
+              <a:endParaRPr lang="zh-CN" altLang="en-US" b="1" dirty="0">
+                <a:latin typeface="Times New Roman" panose="02020603050405020304" pitchFamily="18" charset="0"/>
+                <a:cs typeface="Times New Roman" panose="02020603050405020304" pitchFamily="18" charset="0"/>
+              </a:endParaRPr>
+            </a:p>
+          </p:txBody>
+        </p:sp>
+        <p:pic>
+          <p:nvPicPr>
+            <p:cNvPr id="9" name="图片 8"/>
+            <p:cNvPicPr>
+              <a:picLocks noChangeAspect="1"/>
+            </p:cNvPicPr>
+            <p:nvPr/>
+          </p:nvPicPr>
+          <p:blipFill>
+            <a:blip r:embed="rId3" cstate="print">
+              <a:extLst>
+                <a:ext uri="{28A0092B-C50C-407E-A947-70E740481C1C}">
+                  <a14:useLocalDpi xmlns:a14="http://schemas.microsoft.com/office/drawing/2010/main" val="0"/>
+                </a:ext>
+              </a:extLst>
+            </a:blip>
+            <a:stretch>
+              <a:fillRect/>
+            </a:stretch>
+          </p:blipFill>
+          <p:spPr>
+            <a:xfrm>
+              <a:off x="6197600" y="1169551"/>
+              <a:ext cx="5696992" cy="2862191"/>
+            </a:xfrm>
+            <a:prstGeom prst="rect">
+              <a:avLst/>
+            </a:prstGeom>
+          </p:spPr>
+        </p:pic>
+      </p:grpSp>
+    </p:spTree>
+    <p:extLst>
+      <p:ext uri="{BB962C8B-B14F-4D97-AF65-F5344CB8AC3E}">
+        <p14:creationId xmlns:p14="http://schemas.microsoft.com/office/powerpoint/2010/main" val="1059243763"/>
+      </p:ext>
+    </p:extLst>
+  </p:cSld>
+  <p:clrMapOvr>
+    <a:masterClrMapping/>
+  </p:clrMapOvr>
+  <p:timing>
+    <p:tnLst>
+      <p:par>
+        <p:cTn id="1" dur="indefinite" restart="never" nodeType="tmRoot"/>
+      </p:par>
+    </p:tnLst>
+  </p:timing>
+</p:sld>
+</file>
+
+<file path=ppt/slides/slide4.xml><?xml version="1.0" encoding="utf-8"?>
+<p:sld xmlns:a="http://schemas.openxmlformats.org/drawingml/2006/main" xmlns:r="http://schemas.openxmlformats.org/officeDocument/2006/relationships" xmlns:p="http://schemas.openxmlformats.org/presentationml/2006/main">
+  <p:cSld>
+    <p:spTree>
+      <p:nvGrpSpPr>
+        <p:cNvPr id="1" name=""/>
+        <p:cNvGrpSpPr/>
+        <p:nvPr/>
+      </p:nvGrpSpPr>
+      <p:grpSpPr>
+        <a:xfrm>
+          <a:off x="0" y="0"/>
+          <a:ext cx="0" cy="0"/>
+          <a:chOff x="0" y="0"/>
+          <a:chExt cx="0" cy="0"/>
+        </a:xfrm>
+      </p:grpSpPr>
+      <p:pic>
+        <p:nvPicPr>
+          <p:cNvPr id="4" name="图片 3"/>
+          <p:cNvPicPr>
+            <a:picLocks noChangeAspect="1"/>
+          </p:cNvPicPr>
+          <p:nvPr/>
+        </p:nvPicPr>
+        <p:blipFill>
+          <a:blip r:embed="rId2" cstate="print">
+            <a:extLst>
+              <a:ext uri="{28A0092B-C50C-407E-A947-70E740481C1C}">
+                <a14:useLocalDpi xmlns:a14="http://schemas.microsoft.com/office/drawing/2010/main" val="0"/>
+              </a:ext>
+            </a:extLst>
+          </a:blip>
+          <a:stretch>
+            <a:fillRect/>
+          </a:stretch>
+        </p:blipFill>
+        <p:spPr>
+          <a:xfrm>
+            <a:off x="114302" y="60394"/>
+            <a:ext cx="1164329" cy="632064"/>
+          </a:xfrm>
+          <a:prstGeom prst="rect">
+            <a:avLst/>
+          </a:prstGeom>
+        </p:spPr>
+      </p:pic>
+      <p:sp>
+        <p:nvSpPr>
+          <p:cNvPr id="3" name="矩形 2"/>
+          <p:cNvSpPr/>
+          <p:nvPr/>
+        </p:nvSpPr>
+        <p:spPr>
+          <a:xfrm>
+            <a:off x="114302" y="1419128"/>
+            <a:ext cx="7375312" cy="4524315"/>
+          </a:xfrm>
+          <a:prstGeom prst="rect">
+            <a:avLst/>
+          </a:prstGeom>
+        </p:spPr>
+        <p:txBody>
+          <a:bodyPr wrap="square">
+            <a:spAutoFit/>
+          </a:bodyPr>
+          <a:lstStyle/>
+          <a:p>
+            <a:pPr marL="285750" indent="-285750">
+              <a:buFont typeface="Wingdings" panose="05000000000000000000" pitchFamily="2" charset="2"/>
+              <a:buChar char="Ø"/>
+            </a:pPr>
+            <a:r>
+              <a:rPr lang="en-US" altLang="zh-CN" sz="2400" dirty="0" smtClean="0">
+                <a:latin typeface="Times New Roman" panose="02020603050405020304" pitchFamily="18" charset="0"/>
+                <a:cs typeface="Times New Roman" panose="02020603050405020304" pitchFamily="18" charset="0"/>
+              </a:rPr>
+              <a:t>Founded </a:t>
+            </a:r>
+            <a:r>
+              <a:rPr lang="en-US" altLang="zh-CN" sz="2400" dirty="0">
+                <a:latin typeface="Times New Roman" panose="02020603050405020304" pitchFamily="18" charset="0"/>
+                <a:cs typeface="Times New Roman" panose="02020603050405020304" pitchFamily="18" charset="0"/>
+              </a:rPr>
+              <a:t>Date</a:t>
+            </a:r>
+            <a:r>
+              <a:rPr lang="en-US" altLang="zh-CN" sz="2400" dirty="0" smtClean="0">
+                <a:latin typeface="Times New Roman" panose="02020603050405020304" pitchFamily="18" charset="0"/>
+                <a:cs typeface="Times New Roman" panose="02020603050405020304" pitchFamily="18" charset="0"/>
+              </a:rPr>
+              <a:t>: </a:t>
+            </a:r>
+            <a:r>
+              <a:rPr lang="en-US" altLang="zh-CN" sz="2400" dirty="0">
+                <a:latin typeface="Times New Roman" panose="02020603050405020304" pitchFamily="18" charset="0"/>
+                <a:cs typeface="Times New Roman" panose="02020603050405020304" pitchFamily="18" charset="0"/>
+              </a:rPr>
+              <a:t>December 11, 2015</a:t>
+            </a:r>
+          </a:p>
+          <a:p>
+            <a:pPr marL="285750" indent="-285750">
+              <a:buFont typeface="Wingdings" panose="05000000000000000000" pitchFamily="2" charset="2"/>
+              <a:buChar char="Ø"/>
+            </a:pPr>
+            <a:r>
+              <a:rPr lang="en-US" altLang="zh-CN" sz="2400" dirty="0" smtClean="0">
+                <a:latin typeface="Times New Roman" panose="02020603050405020304" pitchFamily="18" charset="0"/>
+                <a:cs typeface="Times New Roman" panose="02020603050405020304" pitchFamily="18" charset="0"/>
+              </a:rPr>
+              <a:t>Headquarters </a:t>
+            </a:r>
+            <a:r>
+              <a:rPr lang="en-US" altLang="zh-CN" sz="2400" dirty="0">
+                <a:latin typeface="Times New Roman" panose="02020603050405020304" pitchFamily="18" charset="0"/>
+                <a:cs typeface="Times New Roman" panose="02020603050405020304" pitchFamily="18" charset="0"/>
+              </a:rPr>
+              <a:t>Location</a:t>
+            </a:r>
+            <a:r>
+              <a:rPr lang="en-US" altLang="zh-CN" sz="2400" dirty="0" smtClean="0">
+                <a:latin typeface="Times New Roman" panose="02020603050405020304" pitchFamily="18" charset="0"/>
+                <a:cs typeface="Times New Roman" panose="02020603050405020304" pitchFamily="18" charset="0"/>
+              </a:rPr>
+              <a:t>: </a:t>
+            </a:r>
+            <a:r>
+              <a:rPr lang="en-US" altLang="zh-CN" sz="2400" dirty="0">
+                <a:latin typeface="Times New Roman" panose="02020603050405020304" pitchFamily="18" charset="0"/>
+                <a:cs typeface="Times New Roman" panose="02020603050405020304" pitchFamily="18" charset="0"/>
+              </a:rPr>
+              <a:t>San Francisco, California, USA</a:t>
+            </a:r>
+          </a:p>
+          <a:p>
+            <a:pPr marL="285750" indent="-285750">
+              <a:buFont typeface="Wingdings" panose="05000000000000000000" pitchFamily="2" charset="2"/>
+              <a:buChar char="Ø"/>
+            </a:pPr>
+            <a:r>
+              <a:rPr lang="en-US" altLang="zh-CN" sz="2400" dirty="0" smtClean="0">
+                <a:latin typeface="Times New Roman" panose="02020603050405020304" pitchFamily="18" charset="0"/>
+                <a:cs typeface="Times New Roman" panose="02020603050405020304" pitchFamily="18" charset="0"/>
+              </a:rPr>
+              <a:t>Co-founder (with their age in 2015)</a:t>
+            </a:r>
+            <a:endParaRPr lang="en-US" altLang="zh-CN" sz="2400" dirty="0">
+              <a:latin typeface="Times New Roman" panose="02020603050405020304" pitchFamily="18" charset="0"/>
+              <a:cs typeface="Times New Roman" panose="02020603050405020304" pitchFamily="18" charset="0"/>
+            </a:endParaRPr>
+          </a:p>
+          <a:p>
+            <a:pPr marL="742950" lvl="1" indent="-285750">
+              <a:buFont typeface="Wingdings" panose="05000000000000000000" pitchFamily="2" charset="2"/>
+              <a:buChar char="Ø"/>
+            </a:pPr>
+            <a:r>
+              <a:rPr lang="en-US" altLang="zh-CN" sz="2400" dirty="0" smtClean="0">
+                <a:latin typeface="Times New Roman" panose="02020603050405020304" pitchFamily="18" charset="0"/>
+                <a:cs typeface="Times New Roman" panose="02020603050405020304" pitchFamily="18" charset="0"/>
+              </a:rPr>
+              <a:t>Research </a:t>
+            </a:r>
+            <a:r>
+              <a:rPr lang="en-US" altLang="zh-CN" sz="2400" dirty="0">
+                <a:latin typeface="Times New Roman" panose="02020603050405020304" pitchFamily="18" charset="0"/>
+                <a:cs typeface="Times New Roman" panose="02020603050405020304" pitchFamily="18" charset="0"/>
+              </a:rPr>
+              <a:t>Director</a:t>
+            </a:r>
+            <a:r>
+              <a:rPr lang="en-US" altLang="zh-CN" sz="2400" dirty="0" smtClean="0">
+                <a:latin typeface="Times New Roman" panose="02020603050405020304" pitchFamily="18" charset="0"/>
+                <a:cs typeface="Times New Roman" panose="02020603050405020304" pitchFamily="18" charset="0"/>
+              </a:rPr>
+              <a:t>: </a:t>
+            </a:r>
+            <a:r>
+              <a:rPr lang="en-US" altLang="zh-CN" sz="2400" dirty="0">
+                <a:latin typeface="Times New Roman" panose="02020603050405020304" pitchFamily="18" charset="0"/>
+                <a:cs typeface="Times New Roman" panose="02020603050405020304" pitchFamily="18" charset="0"/>
+              </a:rPr>
+              <a:t>Ilya </a:t>
+            </a:r>
+            <a:r>
+              <a:rPr lang="en-US" altLang="zh-CN" sz="2400" dirty="0" err="1">
+                <a:latin typeface="Times New Roman" panose="02020603050405020304" pitchFamily="18" charset="0"/>
+                <a:cs typeface="Times New Roman" panose="02020603050405020304" pitchFamily="18" charset="0"/>
+              </a:rPr>
+              <a:t>Sutskever</a:t>
+            </a:r>
+            <a:r>
+              <a:rPr lang="en-US" altLang="zh-CN" sz="2400" dirty="0">
+                <a:latin typeface="Times New Roman" panose="02020603050405020304" pitchFamily="18" charset="0"/>
+                <a:cs typeface="Times New Roman" panose="02020603050405020304" pitchFamily="18" charset="0"/>
+              </a:rPr>
+              <a:t> (29)</a:t>
+            </a:r>
+          </a:p>
+          <a:p>
+            <a:pPr marL="742950" lvl="1" indent="-285750">
+              <a:buFont typeface="Wingdings" panose="05000000000000000000" pitchFamily="2" charset="2"/>
+              <a:buChar char="Ø"/>
+            </a:pPr>
+            <a:r>
+              <a:rPr lang="en-US" altLang="zh-CN" sz="2400" dirty="0" smtClean="0">
+                <a:latin typeface="Times New Roman" panose="02020603050405020304" pitchFamily="18" charset="0"/>
+                <a:cs typeface="Times New Roman" panose="02020603050405020304" pitchFamily="18" charset="0"/>
+              </a:rPr>
+              <a:t>CTO: </a:t>
+            </a:r>
+            <a:r>
+              <a:rPr lang="en-US" altLang="zh-CN" sz="2400" dirty="0">
+                <a:latin typeface="Times New Roman" panose="02020603050405020304" pitchFamily="18" charset="0"/>
+                <a:cs typeface="Times New Roman" panose="02020603050405020304" pitchFamily="18" charset="0"/>
+              </a:rPr>
+              <a:t>Greg Brockman (27)</a:t>
+            </a:r>
+          </a:p>
+          <a:p>
+            <a:pPr marL="742950" lvl="1" indent="-285750">
+              <a:buFont typeface="Wingdings" panose="05000000000000000000" pitchFamily="2" charset="2"/>
+              <a:buChar char="Ø"/>
+            </a:pPr>
+            <a:r>
+              <a:rPr lang="en-US" altLang="zh-CN" sz="2400" dirty="0" smtClean="0">
+                <a:latin typeface="Times New Roman" panose="02020603050405020304" pitchFamily="18" charset="0"/>
+                <a:cs typeface="Times New Roman" panose="02020603050405020304" pitchFamily="18" charset="0"/>
+              </a:rPr>
+              <a:t>Founding </a:t>
+            </a:r>
+            <a:r>
+              <a:rPr lang="en-US" altLang="zh-CN" sz="2400" dirty="0">
+                <a:latin typeface="Times New Roman" panose="02020603050405020304" pitchFamily="18" charset="0"/>
+                <a:cs typeface="Times New Roman" panose="02020603050405020304" pitchFamily="18" charset="0"/>
+              </a:rPr>
+              <a:t>Members</a:t>
+            </a:r>
+            <a:r>
+              <a:rPr lang="en-US" altLang="zh-CN" sz="2400" dirty="0" smtClean="0">
+                <a:latin typeface="Times New Roman" panose="02020603050405020304" pitchFamily="18" charset="0"/>
+                <a:cs typeface="Times New Roman" panose="02020603050405020304" pitchFamily="18" charset="0"/>
+              </a:rPr>
+              <a:t>: </a:t>
+            </a:r>
+            <a:r>
+              <a:rPr lang="en-US" altLang="zh-CN" sz="2400" dirty="0">
+                <a:latin typeface="Times New Roman" panose="02020603050405020304" pitchFamily="18" charset="0"/>
+                <a:cs typeface="Times New Roman" panose="02020603050405020304" pitchFamily="18" charset="0"/>
+              </a:rPr>
+              <a:t>Trevor Blackwell (46), Vicki Cheung, Andrej </a:t>
+            </a:r>
+            <a:r>
+              <a:rPr lang="en-US" altLang="zh-CN" sz="2400" dirty="0" err="1">
+                <a:latin typeface="Times New Roman" panose="02020603050405020304" pitchFamily="18" charset="0"/>
+                <a:cs typeface="Times New Roman" panose="02020603050405020304" pitchFamily="18" charset="0"/>
+              </a:rPr>
+              <a:t>Karpathy</a:t>
+            </a:r>
+            <a:r>
+              <a:rPr lang="en-US" altLang="zh-CN" sz="2400" dirty="0">
+                <a:latin typeface="Times New Roman" panose="02020603050405020304" pitchFamily="18" charset="0"/>
+                <a:cs typeface="Times New Roman" panose="02020603050405020304" pitchFamily="18" charset="0"/>
+              </a:rPr>
+              <a:t> (29), </a:t>
+            </a:r>
+            <a:r>
+              <a:rPr lang="en-US" altLang="zh-CN" sz="2400" dirty="0" err="1">
+                <a:latin typeface="Times New Roman" panose="02020603050405020304" pitchFamily="18" charset="0"/>
+                <a:cs typeface="Times New Roman" panose="02020603050405020304" pitchFamily="18" charset="0"/>
+              </a:rPr>
+              <a:t>Durk</a:t>
+            </a:r>
+            <a:r>
+              <a:rPr lang="en-US" altLang="zh-CN" sz="2400" dirty="0">
+                <a:latin typeface="Times New Roman" panose="02020603050405020304" pitchFamily="18" charset="0"/>
+                <a:cs typeface="Times New Roman" panose="02020603050405020304" pitchFamily="18" charset="0"/>
+              </a:rPr>
+              <a:t> </a:t>
+            </a:r>
+            <a:r>
+              <a:rPr lang="en-US" altLang="zh-CN" sz="2400" dirty="0" err="1">
+                <a:latin typeface="Times New Roman" panose="02020603050405020304" pitchFamily="18" charset="0"/>
+                <a:cs typeface="Times New Roman" panose="02020603050405020304" pitchFamily="18" charset="0"/>
+              </a:rPr>
+              <a:t>Kingma</a:t>
+            </a:r>
+            <a:r>
+              <a:rPr lang="en-US" altLang="zh-CN" sz="2400" dirty="0">
+                <a:latin typeface="Times New Roman" panose="02020603050405020304" pitchFamily="18" charset="0"/>
+                <a:cs typeface="Times New Roman" panose="02020603050405020304" pitchFamily="18" charset="0"/>
+              </a:rPr>
+              <a:t>, John Schulman (29), Pamela </a:t>
+            </a:r>
+            <a:r>
+              <a:rPr lang="en-US" altLang="zh-CN" sz="2400" dirty="0" err="1">
+                <a:latin typeface="Times New Roman" panose="02020603050405020304" pitchFamily="18" charset="0"/>
+                <a:cs typeface="Times New Roman" panose="02020603050405020304" pitchFamily="18" charset="0"/>
+              </a:rPr>
+              <a:t>Vagata</a:t>
+            </a:r>
+            <a:r>
+              <a:rPr lang="en-US" altLang="zh-CN" sz="2400" dirty="0">
+                <a:latin typeface="Times New Roman" panose="02020603050405020304" pitchFamily="18" charset="0"/>
+                <a:cs typeface="Times New Roman" panose="02020603050405020304" pitchFamily="18" charset="0"/>
+              </a:rPr>
+              <a:t>, </a:t>
+            </a:r>
+            <a:r>
+              <a:rPr lang="en-US" altLang="zh-CN" sz="2400" dirty="0" err="1">
+                <a:latin typeface="Times New Roman" panose="02020603050405020304" pitchFamily="18" charset="0"/>
+                <a:cs typeface="Times New Roman" panose="02020603050405020304" pitchFamily="18" charset="0"/>
+              </a:rPr>
+              <a:t>Wojciech</a:t>
+            </a:r>
+            <a:r>
+              <a:rPr lang="en-US" altLang="zh-CN" sz="2400" dirty="0">
+                <a:latin typeface="Times New Roman" panose="02020603050405020304" pitchFamily="18" charset="0"/>
+                <a:cs typeface="Times New Roman" panose="02020603050405020304" pitchFamily="18" charset="0"/>
+              </a:rPr>
+              <a:t> </a:t>
+            </a:r>
+            <a:r>
+              <a:rPr lang="en-US" altLang="zh-CN" sz="2400" dirty="0" err="1">
+                <a:latin typeface="Times New Roman" panose="02020603050405020304" pitchFamily="18" charset="0"/>
+                <a:cs typeface="Times New Roman" panose="02020603050405020304" pitchFamily="18" charset="0"/>
+              </a:rPr>
+              <a:t>Zaremba</a:t>
+            </a:r>
+            <a:r>
+              <a:rPr lang="en-US" altLang="zh-CN" sz="2400" dirty="0">
+                <a:latin typeface="Times New Roman" panose="02020603050405020304" pitchFamily="18" charset="0"/>
+                <a:cs typeface="Times New Roman" panose="02020603050405020304" pitchFamily="18" charset="0"/>
+              </a:rPr>
+              <a:t> (29).</a:t>
+            </a:r>
+          </a:p>
+          <a:p>
+            <a:pPr marL="742950" lvl="1" indent="-285750">
+              <a:buFont typeface="Wingdings" panose="05000000000000000000" pitchFamily="2" charset="2"/>
+              <a:buChar char="Ø"/>
+            </a:pPr>
+            <a:r>
+              <a:rPr lang="en-US" altLang="zh-CN" sz="2400" dirty="0" smtClean="0">
+                <a:latin typeface="Times New Roman" panose="02020603050405020304" pitchFamily="18" charset="0"/>
+                <a:cs typeface="Times New Roman" panose="02020603050405020304" pitchFamily="18" charset="0"/>
+              </a:rPr>
+              <a:t>Advisors: </a:t>
+            </a:r>
+            <a:r>
+              <a:rPr lang="en-US" altLang="zh-CN" sz="2400" dirty="0">
+                <a:latin typeface="Times New Roman" panose="02020603050405020304" pitchFamily="18" charset="0"/>
+                <a:cs typeface="Times New Roman" panose="02020603050405020304" pitchFamily="18" charset="0"/>
+              </a:rPr>
+              <a:t>Pieter </a:t>
+            </a:r>
+            <a:r>
+              <a:rPr lang="en-US" altLang="zh-CN" sz="2400" dirty="0" err="1">
+                <a:latin typeface="Times New Roman" panose="02020603050405020304" pitchFamily="18" charset="0"/>
+                <a:cs typeface="Times New Roman" panose="02020603050405020304" pitchFamily="18" charset="0"/>
+              </a:rPr>
+              <a:t>Abbeel</a:t>
+            </a:r>
+            <a:r>
+              <a:rPr lang="en-US" altLang="zh-CN" sz="2400" dirty="0">
+                <a:latin typeface="Times New Roman" panose="02020603050405020304" pitchFamily="18" charset="0"/>
+                <a:cs typeface="Times New Roman" panose="02020603050405020304" pitchFamily="18" charset="0"/>
+              </a:rPr>
+              <a:t> (38), </a:t>
+            </a:r>
+            <a:r>
+              <a:rPr lang="en-US" altLang="zh-CN" sz="2400" dirty="0" err="1">
+                <a:latin typeface="Times New Roman" panose="02020603050405020304" pitchFamily="18" charset="0"/>
+                <a:cs typeface="Times New Roman" panose="02020603050405020304" pitchFamily="18" charset="0"/>
+              </a:rPr>
+              <a:t>Yoshua</a:t>
+            </a:r>
+            <a:r>
+              <a:rPr lang="en-US" altLang="zh-CN" sz="2400" dirty="0">
+                <a:latin typeface="Times New Roman" panose="02020603050405020304" pitchFamily="18" charset="0"/>
+                <a:cs typeface="Times New Roman" panose="02020603050405020304" pitchFamily="18" charset="0"/>
+              </a:rPr>
+              <a:t> </a:t>
+            </a:r>
+            <a:r>
+              <a:rPr lang="en-US" altLang="zh-CN" sz="2400" dirty="0" err="1">
+                <a:latin typeface="Times New Roman" panose="02020603050405020304" pitchFamily="18" charset="0"/>
+                <a:cs typeface="Times New Roman" panose="02020603050405020304" pitchFamily="18" charset="0"/>
+              </a:rPr>
+              <a:t>Bengio</a:t>
+            </a:r>
+            <a:r>
+              <a:rPr lang="en-US" altLang="zh-CN" sz="2400" dirty="0">
+                <a:latin typeface="Times New Roman" panose="02020603050405020304" pitchFamily="18" charset="0"/>
+                <a:cs typeface="Times New Roman" panose="02020603050405020304" pitchFamily="18" charset="0"/>
+              </a:rPr>
+              <a:t> (51), Alan Kay (75), Sergey Levine, Vishal </a:t>
+            </a:r>
+            <a:r>
+              <a:rPr lang="en-US" altLang="zh-CN" sz="2400" dirty="0" err="1">
+                <a:latin typeface="Times New Roman" panose="02020603050405020304" pitchFamily="18" charset="0"/>
+                <a:cs typeface="Times New Roman" panose="02020603050405020304" pitchFamily="18" charset="0"/>
+              </a:rPr>
+              <a:t>Sikka</a:t>
+            </a:r>
+            <a:r>
+              <a:rPr lang="en-US" altLang="zh-CN" sz="2400" dirty="0">
+                <a:latin typeface="Times New Roman" panose="02020603050405020304" pitchFamily="18" charset="0"/>
+                <a:cs typeface="Times New Roman" panose="02020603050405020304" pitchFamily="18" charset="0"/>
+              </a:rPr>
+              <a:t> (48).</a:t>
+            </a:r>
+          </a:p>
+          <a:p>
+            <a:pPr marL="742950" lvl="1" indent="-285750">
+              <a:buFont typeface="Wingdings" panose="05000000000000000000" pitchFamily="2" charset="2"/>
+              <a:buChar char="Ø"/>
+            </a:pPr>
+            <a:r>
+              <a:rPr lang="en-US" altLang="zh-CN" sz="2400" dirty="0" smtClean="0">
+                <a:latin typeface="Times New Roman" panose="02020603050405020304" pitchFamily="18" charset="0"/>
+                <a:cs typeface="Times New Roman" panose="02020603050405020304" pitchFamily="18" charset="0"/>
+              </a:rPr>
+              <a:t>Co-Chairs: </a:t>
+            </a:r>
+            <a:r>
+              <a:rPr lang="en-US" altLang="zh-CN" sz="2400" dirty="0">
+                <a:latin typeface="Times New Roman" panose="02020603050405020304" pitchFamily="18" charset="0"/>
+                <a:cs typeface="Times New Roman" panose="02020603050405020304" pitchFamily="18" charset="0"/>
+              </a:rPr>
+              <a:t>Sam Altman (30), Elon Musk (44).</a:t>
+            </a:r>
+            <a:endParaRPr lang="zh-CN" altLang="en-US" sz="2400" baseline="30000" dirty="0">
+              <a:latin typeface="Times New Roman" panose="02020603050405020304" pitchFamily="18" charset="0"/>
+              <a:cs typeface="Times New Roman" panose="02020603050405020304" pitchFamily="18" charset="0"/>
+            </a:endParaRPr>
+          </a:p>
+        </p:txBody>
+      </p:sp>
+      <p:cxnSp>
+        <p:nvCxnSpPr>
+          <p:cNvPr id="7" name="直接连接符 6"/>
+          <p:cNvCxnSpPr/>
+          <p:nvPr/>
+        </p:nvCxnSpPr>
+        <p:spPr>
+          <a:xfrm>
+            <a:off x="0" y="6418555"/>
+            <a:ext cx="12192000" cy="0"/>
+          </a:xfrm>
+          <a:prstGeom prst="line">
+            <a:avLst/>
+          </a:prstGeom>
+        </p:spPr>
+        <p:style>
+          <a:lnRef idx="1">
+            <a:schemeClr val="accent1"/>
+          </a:lnRef>
+          <a:fillRef idx="0">
+            <a:schemeClr val="accent1"/>
+          </a:fillRef>
+          <a:effectRef idx="0">
+            <a:schemeClr val="accent1"/>
+          </a:effectRef>
+          <a:fontRef idx="minor">
+            <a:schemeClr val="tx1"/>
+          </a:fontRef>
+        </p:style>
+      </p:cxnSp>
+      <p:sp>
+        <p:nvSpPr>
+          <p:cNvPr id="10" name="文本框 9"/>
+          <p:cNvSpPr txBox="1"/>
+          <p:nvPr/>
+        </p:nvSpPr>
+        <p:spPr>
+          <a:xfrm>
+            <a:off x="1278631" y="0"/>
+            <a:ext cx="5989835" cy="707886"/>
+          </a:xfrm>
+          <a:prstGeom prst="rect">
+            <a:avLst/>
+          </a:prstGeom>
+          <a:noFill/>
+        </p:spPr>
+        <p:txBody>
+          <a:bodyPr wrap="square" rtlCol="0">
+            <a:spAutoFit/>
+          </a:bodyPr>
+          <a:lstStyle/>
+          <a:p>
+            <a:r>
+              <a:rPr lang="en-US" altLang="zh-CN" sz="4000" b="1" dirty="0">
+                <a:latin typeface="Times New Roman" panose="02020603050405020304" pitchFamily="18" charset="0"/>
+              </a:rPr>
+              <a:t>Background</a:t>
+            </a:r>
+            <a:endParaRPr lang="zh-CN" altLang="en-US" sz="4000" b="1" dirty="0">
+              <a:latin typeface="Times New Roman" panose="02020603050405020304" pitchFamily="18" charset="0"/>
             </a:endParaRPr>
           </a:p>
         </p:txBody>
@@ -4019,38 +5882,925 @@
           <a:lstStyle/>
           <a:p>
             <a:r>
+              <a:rPr lang="en-US" altLang="zh-CN" sz="1200" dirty="0">
+                <a:latin typeface="Times New Roman" panose="02020603050405020304" pitchFamily="18" charset="0"/>
+                <a:cs typeface="Times New Roman" panose="02020603050405020304" pitchFamily="18" charset="0"/>
+              </a:rPr>
+              <a:t>2</a:t>
+            </a:r>
+            <a:r>
               <a:rPr lang="en-US" altLang="zh-CN" sz="1200" dirty="0" smtClean="0">
-                <a:latin typeface="Arial" panose="020B0604020202020204" pitchFamily="34" charset="0"/>
-                <a:cs typeface="Arial" panose="020B0604020202020204" pitchFamily="34" charset="0"/>
-              </a:rPr>
-              <a:t>1. The statement and figure are adapted from Zhao et al. (2023) ’s work entitled </a:t>
-            </a:r>
-            <a:r>
-              <a:rPr lang="en-US" altLang="zh-CN" sz="1200" i="1" dirty="0" smtClean="0">
-                <a:latin typeface="Arial" panose="020B0604020202020204" pitchFamily="34" charset="0"/>
-                <a:cs typeface="Arial" panose="020B0604020202020204" pitchFamily="34" charset="0"/>
-              </a:rPr>
-              <a:t>A Survey of Large Language Models</a:t>
-            </a:r>
-            <a:r>
-              <a:rPr lang="en-US" altLang="zh-CN" sz="1200" dirty="0" smtClean="0">
-                <a:latin typeface="Arial" panose="020B0604020202020204" pitchFamily="34" charset="0"/>
-                <a:cs typeface="Arial" panose="020B0604020202020204" pitchFamily="34" charset="0"/>
+                <a:latin typeface="Times New Roman" panose="02020603050405020304" pitchFamily="18" charset="0"/>
+                <a:cs typeface="Times New Roman" panose="02020603050405020304" pitchFamily="18" charset="0"/>
               </a:rPr>
               <a:t>. </a:t>
+            </a:r>
+            <a:r>
+              <a:rPr lang="en-US" altLang="zh-CN" sz="1200" dirty="0">
+                <a:latin typeface="Times New Roman" panose="02020603050405020304" pitchFamily="18" charset="0"/>
+                <a:cs typeface="Times New Roman" panose="02020603050405020304" pitchFamily="18" charset="0"/>
+                <a:hlinkClick r:id="rId3"/>
+              </a:rPr>
+              <a:t>https://www.bizjournals.com/sanfrancisco/inno/stories/news/2024/05/14/openai-cofounder-ilya-sutskever-resigns.html</a:t>
             </a:r>
             <a:endParaRPr lang="en-US" altLang="zh-CN" sz="1200" dirty="0">
               <a:effectLst/>
-              <a:latin typeface="Arial" panose="020B0604020202020204" pitchFamily="34" charset="0"/>
-              <a:cs typeface="Arial" panose="020B0604020202020204" pitchFamily="34" charset="0"/>
+              <a:latin typeface="Times New Roman" panose="02020603050405020304" pitchFamily="18" charset="0"/>
+              <a:cs typeface="Times New Roman" panose="02020603050405020304" pitchFamily="18" charset="0"/>
             </a:endParaRPr>
           </a:p>
         </p:txBody>
       </p:sp>
+      <p:sp>
+        <p:nvSpPr>
+          <p:cNvPr id="2" name="矩形 1"/>
+          <p:cNvSpPr/>
+          <p:nvPr/>
+        </p:nvSpPr>
+        <p:spPr>
+          <a:xfrm>
+            <a:off x="1045347" y="759351"/>
+            <a:ext cx="3615926" cy="461665"/>
+          </a:xfrm>
+          <a:prstGeom prst="rect">
+            <a:avLst/>
+          </a:prstGeom>
+        </p:spPr>
+        <p:txBody>
+          <a:bodyPr wrap="none">
+            <a:spAutoFit/>
+          </a:bodyPr>
+          <a:lstStyle/>
+          <a:p>
+            <a:pPr marL="285750" indent="-285750">
+              <a:buFont typeface="Wingdings" panose="05000000000000000000" pitchFamily="2" charset="2"/>
+              <a:buChar char="p"/>
+            </a:pPr>
+            <a:r>
+              <a:rPr lang="zh-CN" altLang="en-US" sz="2400" b="1" dirty="0">
+                <a:latin typeface="Times New Roman" panose="02020603050405020304" pitchFamily="18" charset="0"/>
+                <a:cs typeface="Times New Roman" panose="02020603050405020304" pitchFamily="18" charset="0"/>
+              </a:rPr>
+              <a:t>Introduction </a:t>
+            </a:r>
+            <a:r>
+              <a:rPr lang="zh-CN" altLang="en-US" sz="2400" b="1" dirty="0" smtClean="0">
+                <a:latin typeface="Times New Roman" panose="02020603050405020304" pitchFamily="18" charset="0"/>
+                <a:cs typeface="Times New Roman" panose="02020603050405020304" pitchFamily="18" charset="0"/>
+              </a:rPr>
+              <a:t>to </a:t>
+            </a:r>
+            <a:r>
+              <a:rPr lang="en-US" altLang="zh-CN" sz="2400" b="1" dirty="0" err="1" smtClean="0">
+                <a:latin typeface="Times New Roman" panose="02020603050405020304" pitchFamily="18" charset="0"/>
+                <a:cs typeface="Times New Roman" panose="02020603050405020304" pitchFamily="18" charset="0"/>
+              </a:rPr>
+              <a:t>OpenAI</a:t>
+            </a:r>
+            <a:endParaRPr lang="zh-CN" altLang="en-US" sz="2400" b="1" dirty="0">
+              <a:latin typeface="Times New Roman" panose="02020603050405020304" pitchFamily="18" charset="0"/>
+              <a:cs typeface="Times New Roman" panose="02020603050405020304" pitchFamily="18" charset="0"/>
+            </a:endParaRPr>
+          </a:p>
+        </p:txBody>
+      </p:sp>
+      <p:grpSp>
+        <p:nvGrpSpPr>
+          <p:cNvPr id="13" name="组合 12"/>
+          <p:cNvGrpSpPr/>
+          <p:nvPr/>
+        </p:nvGrpSpPr>
+        <p:grpSpPr>
+          <a:xfrm>
+            <a:off x="7048727" y="1434556"/>
+            <a:ext cx="5261524" cy="4338002"/>
+            <a:chOff x="7064769" y="1068798"/>
+            <a:chExt cx="5261524" cy="4338002"/>
+          </a:xfrm>
+        </p:grpSpPr>
+        <p:sp>
+          <p:nvSpPr>
+            <p:cNvPr id="5" name="文本框 4"/>
+            <p:cNvSpPr txBox="1"/>
+            <p:nvPr/>
+          </p:nvSpPr>
+          <p:spPr>
+            <a:xfrm>
+              <a:off x="7064769" y="4760469"/>
+              <a:ext cx="5261524" cy="646331"/>
+            </a:xfrm>
+            <a:prstGeom prst="rect">
+              <a:avLst/>
+            </a:prstGeom>
+            <a:noFill/>
+          </p:spPr>
+          <p:txBody>
+            <a:bodyPr wrap="square" rtlCol="0">
+              <a:spAutoFit/>
+            </a:bodyPr>
+            <a:lstStyle/>
+            <a:p>
+              <a:pPr algn="ctr"/>
+              <a:r>
+                <a:rPr lang="en-US" altLang="zh-CN" b="1" dirty="0" err="1" smtClean="0">
+                  <a:latin typeface="Times New Roman" panose="02020603050405020304" pitchFamily="18" charset="0"/>
+                  <a:cs typeface="Times New Roman" panose="02020603050405020304" pitchFamily="18" charset="0"/>
+                </a:rPr>
+                <a:t>OpenAI</a:t>
+              </a:r>
+              <a:r>
+                <a:rPr lang="en-US" altLang="zh-CN" b="1" dirty="0" smtClean="0">
+                  <a:latin typeface="Times New Roman" panose="02020603050405020304" pitchFamily="18" charset="0"/>
+                  <a:cs typeface="Times New Roman" panose="02020603050405020304" pitchFamily="18" charset="0"/>
+                </a:rPr>
+                <a:t> </a:t>
+              </a:r>
+              <a:r>
+                <a:rPr lang="en-US" altLang="zh-CN" b="1" dirty="0">
+                  <a:latin typeface="Times New Roman" panose="02020603050405020304" pitchFamily="18" charset="0"/>
+                  <a:cs typeface="Times New Roman" panose="02020603050405020304" pitchFamily="18" charset="0"/>
+                </a:rPr>
+                <a:t>Chief Scientist Ilya </a:t>
+              </a:r>
+              <a:r>
+                <a:rPr lang="en-US" altLang="zh-CN" b="1" dirty="0" smtClean="0">
+                  <a:latin typeface="Times New Roman" panose="02020603050405020304" pitchFamily="18" charset="0"/>
+                  <a:cs typeface="Times New Roman" panose="02020603050405020304" pitchFamily="18" charset="0"/>
+                </a:rPr>
+                <a:t>Sutskever</a:t>
+              </a:r>
+              <a:r>
+                <a:rPr lang="en-US" altLang="zh-CN" b="1" baseline="30000" dirty="0">
+                  <a:latin typeface="Times New Roman" panose="02020603050405020304" pitchFamily="18" charset="0"/>
+                  <a:cs typeface="Times New Roman" panose="02020603050405020304" pitchFamily="18" charset="0"/>
+                </a:rPr>
+                <a:t>2</a:t>
+              </a:r>
+              <a:r>
+                <a:rPr lang="en-US" altLang="zh-CN" b="1" dirty="0" smtClean="0">
+                  <a:latin typeface="Times New Roman" panose="02020603050405020304" pitchFamily="18" charset="0"/>
+                  <a:cs typeface="Times New Roman" panose="02020603050405020304" pitchFamily="18" charset="0"/>
+                </a:rPr>
+                <a:t>.</a:t>
+              </a:r>
+            </a:p>
+            <a:p>
+              <a:pPr algn="ctr"/>
+              <a:r>
+                <a:rPr lang="en-US" altLang="zh-CN" dirty="0" smtClean="0">
+                  <a:latin typeface="Times New Roman" panose="02020603050405020304" pitchFamily="18" charset="0"/>
+                  <a:cs typeface="Times New Roman" panose="02020603050405020304" pitchFamily="18" charset="0"/>
+                </a:rPr>
+                <a:t>(PAOLO </a:t>
+              </a:r>
+              <a:r>
+                <a:rPr lang="en-US" altLang="zh-CN" dirty="0">
+                  <a:latin typeface="Times New Roman" panose="02020603050405020304" pitchFamily="18" charset="0"/>
+                  <a:cs typeface="Times New Roman" panose="02020603050405020304" pitchFamily="18" charset="0"/>
+                </a:rPr>
+                <a:t>VESCIA </a:t>
+              </a:r>
+              <a:r>
+                <a:rPr lang="en-US" altLang="zh-CN" dirty="0" smtClean="0">
+                  <a:latin typeface="Times New Roman" panose="02020603050405020304" pitchFamily="18" charset="0"/>
+                  <a:cs typeface="Times New Roman" panose="02020603050405020304" pitchFamily="18" charset="0"/>
+                </a:rPr>
+                <a:t>2016) </a:t>
+              </a:r>
+              <a:endParaRPr lang="zh-CN" altLang="en-US" dirty="0">
+                <a:latin typeface="Times New Roman" panose="02020603050405020304" pitchFamily="18" charset="0"/>
+                <a:cs typeface="Times New Roman" panose="02020603050405020304" pitchFamily="18" charset="0"/>
+              </a:endParaRPr>
+            </a:p>
+          </p:txBody>
+        </p:sp>
+        <p:pic>
+          <p:nvPicPr>
+            <p:cNvPr id="6" name="图片 5"/>
+            <p:cNvPicPr>
+              <a:picLocks noChangeAspect="1"/>
+            </p:cNvPicPr>
+            <p:nvPr/>
+          </p:nvPicPr>
+          <p:blipFill>
+            <a:blip r:embed="rId4">
+              <a:extLst>
+                <a:ext uri="{28A0092B-C50C-407E-A947-70E740481C1C}">
+                  <a14:useLocalDpi xmlns:a14="http://schemas.microsoft.com/office/drawing/2010/main" val="0"/>
+                </a:ext>
+              </a:extLst>
+            </a:blip>
+            <a:stretch>
+              <a:fillRect/>
+            </a:stretch>
+          </p:blipFill>
+          <p:spPr>
+            <a:xfrm>
+              <a:off x="7642265" y="2334769"/>
+              <a:ext cx="3849858" cy="2164476"/>
+            </a:xfrm>
+            <a:prstGeom prst="rect">
+              <a:avLst/>
+            </a:prstGeom>
+          </p:spPr>
+        </p:pic>
+        <p:pic>
+          <p:nvPicPr>
+            <p:cNvPr id="8" name="图片 7"/>
+            <p:cNvPicPr>
+              <a:picLocks noChangeAspect="1"/>
+            </p:cNvPicPr>
+            <p:nvPr/>
+          </p:nvPicPr>
+          <p:blipFill>
+            <a:blip r:embed="rId5" cstate="print">
+              <a:extLst>
+                <a:ext uri="{28A0092B-C50C-407E-A947-70E740481C1C}">
+                  <a14:useLocalDpi xmlns:a14="http://schemas.microsoft.com/office/drawing/2010/main" val="0"/>
+                </a:ext>
+              </a:extLst>
+            </a:blip>
+            <a:stretch>
+              <a:fillRect/>
+            </a:stretch>
+          </p:blipFill>
+          <p:spPr>
+            <a:xfrm>
+              <a:off x="7642265" y="1068798"/>
+              <a:ext cx="3849858" cy="1044029"/>
+            </a:xfrm>
+            <a:prstGeom prst="rect">
+              <a:avLst/>
+            </a:prstGeom>
+          </p:spPr>
+        </p:pic>
+      </p:grpSp>
     </p:spTree>
     <p:extLst>
       <p:ext uri="{BB962C8B-B14F-4D97-AF65-F5344CB8AC3E}">
-        <p14:creationId xmlns:p14="http://schemas.microsoft.com/office/powerpoint/2010/main" val="1426786293"/>
+        <p14:creationId xmlns:p14="http://schemas.microsoft.com/office/powerpoint/2010/main" val="2142495396"/>
+      </p:ext>
+    </p:extLst>
+  </p:cSld>
+  <p:clrMapOvr>
+    <a:masterClrMapping/>
+  </p:clrMapOvr>
+  <p:timing>
+    <p:tnLst>
+      <p:par>
+        <p:cTn id="1" dur="indefinite" restart="never" nodeType="tmRoot"/>
+      </p:par>
+    </p:tnLst>
+  </p:timing>
+</p:sld>
+</file>
+
+<file path=ppt/slides/slide5.xml><?xml version="1.0" encoding="utf-8"?>
+<p:sld xmlns:a="http://schemas.openxmlformats.org/drawingml/2006/main" xmlns:r="http://schemas.openxmlformats.org/officeDocument/2006/relationships" xmlns:p="http://schemas.openxmlformats.org/presentationml/2006/main">
+  <p:cSld>
+    <p:spTree>
+      <p:nvGrpSpPr>
+        <p:cNvPr id="1" name=""/>
+        <p:cNvGrpSpPr/>
+        <p:nvPr/>
+      </p:nvGrpSpPr>
+      <p:grpSpPr>
+        <a:xfrm>
+          <a:off x="0" y="0"/>
+          <a:ext cx="0" cy="0"/>
+          <a:chOff x="0" y="0"/>
+          <a:chExt cx="0" cy="0"/>
+        </a:xfrm>
+      </p:grpSpPr>
+      <p:pic>
+        <p:nvPicPr>
+          <p:cNvPr id="2" name="图片 1"/>
+          <p:cNvPicPr>
+            <a:picLocks noChangeAspect="1"/>
+          </p:cNvPicPr>
+          <p:nvPr/>
+        </p:nvPicPr>
+        <p:blipFill>
+          <a:blip r:embed="rId2" cstate="print">
+            <a:extLst>
+              <a:ext uri="{28A0092B-C50C-407E-A947-70E740481C1C}">
+                <a14:useLocalDpi xmlns:a14="http://schemas.microsoft.com/office/drawing/2010/main" val="0"/>
+              </a:ext>
+            </a:extLst>
+          </a:blip>
+          <a:stretch>
+            <a:fillRect/>
+          </a:stretch>
+        </p:blipFill>
+        <p:spPr>
+          <a:xfrm>
+            <a:off x="114302" y="60394"/>
+            <a:ext cx="1164329" cy="632064"/>
+          </a:xfrm>
+          <a:prstGeom prst="rect">
+            <a:avLst/>
+          </a:prstGeom>
+        </p:spPr>
+      </p:pic>
+      <p:cxnSp>
+        <p:nvCxnSpPr>
+          <p:cNvPr id="3" name="直接连接符 2"/>
+          <p:cNvCxnSpPr/>
+          <p:nvPr/>
+        </p:nvCxnSpPr>
+        <p:spPr>
+          <a:xfrm>
+            <a:off x="0" y="6418555"/>
+            <a:ext cx="12192000" cy="0"/>
+          </a:xfrm>
+          <a:prstGeom prst="line">
+            <a:avLst/>
+          </a:prstGeom>
+        </p:spPr>
+        <p:style>
+          <a:lnRef idx="1">
+            <a:schemeClr val="accent1"/>
+          </a:lnRef>
+          <a:fillRef idx="0">
+            <a:schemeClr val="accent1"/>
+          </a:fillRef>
+          <a:effectRef idx="0">
+            <a:schemeClr val="accent1"/>
+          </a:effectRef>
+          <a:fontRef idx="minor">
+            <a:schemeClr val="tx1"/>
+          </a:fontRef>
+        </p:style>
+      </p:cxnSp>
+      <p:sp>
+        <p:nvSpPr>
+          <p:cNvPr id="4" name="文本框 3"/>
+          <p:cNvSpPr txBox="1"/>
+          <p:nvPr/>
+        </p:nvSpPr>
+        <p:spPr>
+          <a:xfrm>
+            <a:off x="1278631" y="0"/>
+            <a:ext cx="8940190" cy="707886"/>
+          </a:xfrm>
+          <a:prstGeom prst="rect">
+            <a:avLst/>
+          </a:prstGeom>
+          <a:noFill/>
+        </p:spPr>
+        <p:txBody>
+          <a:bodyPr wrap="square" rtlCol="0">
+            <a:spAutoFit/>
+          </a:bodyPr>
+          <a:lstStyle/>
+          <a:p>
+            <a:r>
+              <a:rPr lang="en-US" altLang="zh-CN" sz="4000" b="1" dirty="0" smtClean="0">
+                <a:latin typeface="Times New Roman" panose="02020603050405020304" pitchFamily="18" charset="0"/>
+              </a:rPr>
+              <a:t>Background</a:t>
+            </a:r>
+            <a:endParaRPr lang="zh-CN" altLang="en-US" sz="4000" b="1" dirty="0">
+              <a:latin typeface="Times New Roman" panose="02020603050405020304" pitchFamily="18" charset="0"/>
+            </a:endParaRPr>
+          </a:p>
+        </p:txBody>
+      </p:sp>
+      <p:sp>
+        <p:nvSpPr>
+          <p:cNvPr id="5" name="矩形 4"/>
+          <p:cNvSpPr/>
+          <p:nvPr/>
+        </p:nvSpPr>
+        <p:spPr>
+          <a:xfrm>
+            <a:off x="1045347" y="759351"/>
+            <a:ext cx="4639988" cy="461665"/>
+          </a:xfrm>
+          <a:prstGeom prst="rect">
+            <a:avLst/>
+          </a:prstGeom>
+        </p:spPr>
+        <p:txBody>
+          <a:bodyPr wrap="none">
+            <a:spAutoFit/>
+          </a:bodyPr>
+          <a:lstStyle/>
+          <a:p>
+            <a:pPr marL="285750" indent="-285750">
+              <a:buFont typeface="Wingdings" panose="05000000000000000000" pitchFamily="2" charset="2"/>
+              <a:buChar char="p"/>
+            </a:pPr>
+            <a:r>
+              <a:rPr lang="en-US" altLang="zh-CN" sz="2400" b="1" dirty="0">
+                <a:latin typeface="Times New Roman" panose="02020603050405020304" pitchFamily="18" charset="0"/>
+                <a:cs typeface="Times New Roman" panose="02020603050405020304" pitchFamily="18" charset="0"/>
+              </a:rPr>
+              <a:t>Evolution of GPT-series Models</a:t>
+            </a:r>
+          </a:p>
+        </p:txBody>
+      </p:sp>
+      <p:grpSp>
+        <p:nvGrpSpPr>
+          <p:cNvPr id="10" name="组合 9"/>
+          <p:cNvGrpSpPr/>
+          <p:nvPr/>
+        </p:nvGrpSpPr>
+        <p:grpSpPr>
+          <a:xfrm>
+            <a:off x="245890" y="1489761"/>
+            <a:ext cx="11700218" cy="4146919"/>
+            <a:chOff x="245890" y="1086395"/>
+            <a:chExt cx="11700218" cy="4146919"/>
+          </a:xfrm>
+        </p:grpSpPr>
+        <p:pic>
+          <p:nvPicPr>
+            <p:cNvPr id="7" name="图片 6"/>
+            <p:cNvPicPr>
+              <a:picLocks noChangeAspect="1"/>
+            </p:cNvPicPr>
+            <p:nvPr/>
+          </p:nvPicPr>
+          <p:blipFill>
+            <a:blip r:embed="rId3">
+              <a:extLst>
+                <a:ext uri="{28A0092B-C50C-407E-A947-70E740481C1C}">
+                  <a14:useLocalDpi xmlns:a14="http://schemas.microsoft.com/office/drawing/2010/main" val="0"/>
+                </a:ext>
+              </a:extLst>
+            </a:blip>
+            <a:stretch>
+              <a:fillRect/>
+            </a:stretch>
+          </p:blipFill>
+          <p:spPr>
+            <a:xfrm>
+              <a:off x="245890" y="1086395"/>
+              <a:ext cx="11700218" cy="2816098"/>
+            </a:xfrm>
+            <a:prstGeom prst="rect">
+              <a:avLst/>
+            </a:prstGeom>
+          </p:spPr>
+        </p:pic>
+        <p:sp>
+          <p:nvSpPr>
+            <p:cNvPr id="9" name="文本框 8"/>
+            <p:cNvSpPr txBox="1"/>
+            <p:nvPr/>
+          </p:nvSpPr>
+          <p:spPr>
+            <a:xfrm>
+              <a:off x="836212" y="4032985"/>
+              <a:ext cx="10519575" cy="1200329"/>
+            </a:xfrm>
+            <a:prstGeom prst="rect">
+              <a:avLst/>
+            </a:prstGeom>
+            <a:noFill/>
+          </p:spPr>
+          <p:txBody>
+            <a:bodyPr wrap="square" rtlCol="0">
+              <a:spAutoFit/>
+            </a:bodyPr>
+            <a:lstStyle/>
+            <a:p>
+              <a:pPr algn="ctr"/>
+              <a:r>
+                <a:rPr lang="en-US" altLang="zh-CN" b="1" dirty="0">
+                  <a:latin typeface="Times New Roman" panose="02020603050405020304" pitchFamily="18" charset="0"/>
+                  <a:cs typeface="Times New Roman" panose="02020603050405020304" pitchFamily="18" charset="0"/>
+                </a:rPr>
+                <a:t>A brief illustration for the technical evolution of GPT-series models. </a:t>
+              </a:r>
+              <a:r>
+                <a:rPr lang="en-US" altLang="zh-CN" dirty="0">
+                  <a:latin typeface="Times New Roman" panose="02020603050405020304" pitchFamily="18" charset="0"/>
+                  <a:cs typeface="Times New Roman" panose="02020603050405020304" pitchFamily="18" charset="0"/>
+                </a:rPr>
+                <a:t>We plot this figure mainly based on the papers, blog articles and official APIs from </a:t>
+              </a:r>
+              <a:r>
+                <a:rPr lang="en-US" altLang="zh-CN" dirty="0" err="1">
+                  <a:latin typeface="Times New Roman" panose="02020603050405020304" pitchFamily="18" charset="0"/>
+                  <a:cs typeface="Times New Roman" panose="02020603050405020304" pitchFamily="18" charset="0"/>
+                </a:rPr>
+                <a:t>OpenAI</a:t>
+              </a:r>
+              <a:r>
+                <a:rPr lang="en-US" altLang="zh-CN" dirty="0">
+                  <a:latin typeface="Times New Roman" panose="02020603050405020304" pitchFamily="18" charset="0"/>
+                  <a:cs typeface="Times New Roman" panose="02020603050405020304" pitchFamily="18" charset="0"/>
+                </a:rPr>
+                <a:t>. Here, </a:t>
+              </a:r>
+              <a:r>
+                <a:rPr lang="en-US" altLang="zh-CN" u="sng" dirty="0">
+                  <a:latin typeface="Times New Roman" panose="02020603050405020304" pitchFamily="18" charset="0"/>
+                  <a:cs typeface="Times New Roman" panose="02020603050405020304" pitchFamily="18" charset="0"/>
+                </a:rPr>
+                <a:t>solid lines </a:t>
+              </a:r>
+              <a:r>
+                <a:rPr lang="en-US" altLang="zh-CN" dirty="0">
+                  <a:latin typeface="Times New Roman" panose="02020603050405020304" pitchFamily="18" charset="0"/>
+                  <a:cs typeface="Times New Roman" panose="02020603050405020304" pitchFamily="18" charset="0"/>
+                </a:rPr>
+                <a:t>denote that there exists an explicit evidence (e.g., the official statement that a new model is developed based on a base model) on the evolution path between two models, while </a:t>
+              </a:r>
+              <a:r>
+                <a:rPr lang="en-US" altLang="zh-CN" u="sng" dirty="0">
+                  <a:latin typeface="Times New Roman" panose="02020603050405020304" pitchFamily="18" charset="0"/>
+                  <a:cs typeface="Times New Roman" panose="02020603050405020304" pitchFamily="18" charset="0"/>
+                </a:rPr>
+                <a:t>dashed lines </a:t>
+              </a:r>
+              <a:r>
+                <a:rPr lang="en-US" altLang="zh-CN" dirty="0">
+                  <a:latin typeface="Times New Roman" panose="02020603050405020304" pitchFamily="18" charset="0"/>
+                  <a:cs typeface="Times New Roman" panose="02020603050405020304" pitchFamily="18" charset="0"/>
+                </a:rPr>
+                <a:t>denote a relatively weaker evolution </a:t>
+              </a:r>
+              <a:r>
+                <a:rPr lang="en-US" altLang="zh-CN" dirty="0" smtClean="0">
+                  <a:latin typeface="Times New Roman" panose="02020603050405020304" pitchFamily="18" charset="0"/>
+                  <a:cs typeface="Times New Roman" panose="02020603050405020304" pitchFamily="18" charset="0"/>
+                </a:rPr>
+                <a:t>relation (</a:t>
+              </a:r>
+              <a:r>
+                <a:rPr lang="en-US" altLang="zh-CN" dirty="0" smtClean="0">
+                  <a:solidFill>
+                    <a:schemeClr val="accent1"/>
+                  </a:solidFill>
+                  <a:latin typeface="Times New Roman" panose="02020603050405020304" pitchFamily="18" charset="0"/>
+                  <a:cs typeface="Times New Roman" panose="02020603050405020304" pitchFamily="18" charset="0"/>
+                </a:rPr>
+                <a:t>Zhao </a:t>
+              </a:r>
+              <a:r>
+                <a:rPr lang="en-US" altLang="zh-CN" dirty="0">
+                  <a:solidFill>
+                    <a:schemeClr val="accent1"/>
+                  </a:solidFill>
+                  <a:latin typeface="Times New Roman" panose="02020603050405020304" pitchFamily="18" charset="0"/>
+                  <a:cs typeface="Times New Roman" panose="02020603050405020304" pitchFamily="18" charset="0"/>
+                </a:rPr>
+                <a:t>et al., 2023</a:t>
+              </a:r>
+              <a:r>
+                <a:rPr lang="en-US" altLang="zh-CN" dirty="0">
+                  <a:latin typeface="Times New Roman" panose="02020603050405020304" pitchFamily="18" charset="0"/>
+                  <a:cs typeface="Times New Roman" panose="02020603050405020304" pitchFamily="18" charset="0"/>
+                </a:rPr>
+                <a:t>).</a:t>
+              </a:r>
+              <a:endParaRPr lang="zh-CN" altLang="en-US" dirty="0">
+                <a:latin typeface="Times New Roman" panose="02020603050405020304" pitchFamily="18" charset="0"/>
+                <a:cs typeface="Times New Roman" panose="02020603050405020304" pitchFamily="18" charset="0"/>
+              </a:endParaRPr>
+            </a:p>
+          </p:txBody>
+        </p:sp>
+      </p:grpSp>
+    </p:spTree>
+    <p:extLst>
+      <p:ext uri="{BB962C8B-B14F-4D97-AF65-F5344CB8AC3E}">
+        <p14:creationId xmlns:p14="http://schemas.microsoft.com/office/powerpoint/2010/main" val="3876775888"/>
+      </p:ext>
+    </p:extLst>
+  </p:cSld>
+  <p:clrMapOvr>
+    <a:masterClrMapping/>
+  </p:clrMapOvr>
+  <p:timing>
+    <p:tnLst>
+      <p:par>
+        <p:cTn id="1" dur="indefinite" restart="never" nodeType="tmRoot"/>
+      </p:par>
+    </p:tnLst>
+  </p:timing>
+</p:sld>
+</file>
+
+<file path=ppt/slides/slide6.xml><?xml version="1.0" encoding="utf-8"?>
+<p:sld xmlns:a="http://schemas.openxmlformats.org/drawingml/2006/main" xmlns:r="http://schemas.openxmlformats.org/officeDocument/2006/relationships" xmlns:p="http://schemas.openxmlformats.org/presentationml/2006/main">
+  <p:cSld>
+    <p:spTree>
+      <p:nvGrpSpPr>
+        <p:cNvPr id="1" name=""/>
+        <p:cNvGrpSpPr/>
+        <p:nvPr/>
+      </p:nvGrpSpPr>
+      <p:grpSpPr>
+        <a:xfrm>
+          <a:off x="0" y="0"/>
+          <a:ext cx="0" cy="0"/>
+          <a:chOff x="0" y="0"/>
+          <a:chExt cx="0" cy="0"/>
+        </a:xfrm>
+      </p:grpSpPr>
+      <p:pic>
+        <p:nvPicPr>
+          <p:cNvPr id="2" name="图片 1"/>
+          <p:cNvPicPr>
+            <a:picLocks noChangeAspect="1"/>
+          </p:cNvPicPr>
+          <p:nvPr/>
+        </p:nvPicPr>
+        <p:blipFill>
+          <a:blip r:embed="rId2" cstate="print">
+            <a:extLst>
+              <a:ext uri="{28A0092B-C50C-407E-A947-70E740481C1C}">
+                <a14:useLocalDpi xmlns:a14="http://schemas.microsoft.com/office/drawing/2010/main" val="0"/>
+              </a:ext>
+            </a:extLst>
+          </a:blip>
+          <a:stretch>
+            <a:fillRect/>
+          </a:stretch>
+        </p:blipFill>
+        <p:spPr>
+          <a:xfrm>
+            <a:off x="114302" y="60394"/>
+            <a:ext cx="1164329" cy="632064"/>
+          </a:xfrm>
+          <a:prstGeom prst="rect">
+            <a:avLst/>
+          </a:prstGeom>
+        </p:spPr>
+      </p:pic>
+      <p:cxnSp>
+        <p:nvCxnSpPr>
+          <p:cNvPr id="3" name="直接连接符 2"/>
+          <p:cNvCxnSpPr/>
+          <p:nvPr/>
+        </p:nvCxnSpPr>
+        <p:spPr>
+          <a:xfrm>
+            <a:off x="0" y="6418555"/>
+            <a:ext cx="12192000" cy="0"/>
+          </a:xfrm>
+          <a:prstGeom prst="line">
+            <a:avLst/>
+          </a:prstGeom>
+        </p:spPr>
+        <p:style>
+          <a:lnRef idx="1">
+            <a:schemeClr val="accent1"/>
+          </a:lnRef>
+          <a:fillRef idx="0">
+            <a:schemeClr val="accent1"/>
+          </a:fillRef>
+          <a:effectRef idx="0">
+            <a:schemeClr val="accent1"/>
+          </a:effectRef>
+          <a:fontRef idx="minor">
+            <a:schemeClr val="tx1"/>
+          </a:fontRef>
+        </p:style>
+      </p:cxnSp>
+      <p:sp>
+        <p:nvSpPr>
+          <p:cNvPr id="4" name="文本框 3"/>
+          <p:cNvSpPr txBox="1"/>
+          <p:nvPr/>
+        </p:nvSpPr>
+        <p:spPr>
+          <a:xfrm>
+            <a:off x="1278631" y="0"/>
+            <a:ext cx="8940190" cy="707886"/>
+          </a:xfrm>
+          <a:prstGeom prst="rect">
+            <a:avLst/>
+          </a:prstGeom>
+          <a:noFill/>
+        </p:spPr>
+        <p:txBody>
+          <a:bodyPr wrap="square" rtlCol="0">
+            <a:spAutoFit/>
+          </a:bodyPr>
+          <a:lstStyle/>
+          <a:p>
+            <a:r>
+              <a:rPr lang="en-US" altLang="zh-CN" sz="4000" b="1" dirty="0">
+                <a:latin typeface="Times New Roman" panose="02020603050405020304" pitchFamily="18" charset="0"/>
+              </a:rPr>
+              <a:t>Early Exploration</a:t>
+            </a:r>
+            <a:endParaRPr lang="zh-CN" altLang="en-US" sz="4000" b="1" dirty="0">
+              <a:latin typeface="Times New Roman" panose="02020603050405020304" pitchFamily="18" charset="0"/>
+            </a:endParaRPr>
+          </a:p>
+        </p:txBody>
+      </p:sp>
+      <p:sp>
+        <p:nvSpPr>
+          <p:cNvPr id="5" name="矩形 4"/>
+          <p:cNvSpPr/>
+          <p:nvPr/>
+        </p:nvSpPr>
+        <p:spPr>
+          <a:xfrm>
+            <a:off x="1045347" y="759351"/>
+            <a:ext cx="3656835" cy="461665"/>
+          </a:xfrm>
+          <a:prstGeom prst="rect">
+            <a:avLst/>
+          </a:prstGeom>
+        </p:spPr>
+        <p:txBody>
+          <a:bodyPr wrap="none">
+            <a:spAutoFit/>
+          </a:bodyPr>
+          <a:lstStyle/>
+          <a:p>
+            <a:pPr marL="285750" indent="-285750">
+              <a:buFont typeface="Wingdings" panose="05000000000000000000" pitchFamily="2" charset="2"/>
+              <a:buChar char="p"/>
+            </a:pPr>
+            <a:r>
+              <a:rPr lang="en-US" altLang="zh-CN" sz="2400" b="1" dirty="0">
+                <a:latin typeface="Times New Roman" panose="02020603050405020304" pitchFamily="18" charset="0"/>
+                <a:cs typeface="Times New Roman" panose="02020603050405020304" pitchFamily="18" charset="0"/>
+              </a:rPr>
+              <a:t>Before GPT (2016-2018)</a:t>
+            </a:r>
+          </a:p>
+        </p:txBody>
+      </p:sp>
+      <p:grpSp>
+        <p:nvGrpSpPr>
+          <p:cNvPr id="10" name="组合 9"/>
+          <p:cNvGrpSpPr/>
+          <p:nvPr/>
+        </p:nvGrpSpPr>
+        <p:grpSpPr>
+          <a:xfrm>
+            <a:off x="245890" y="1489761"/>
+            <a:ext cx="11700218" cy="4146919"/>
+            <a:chOff x="245890" y="1086395"/>
+            <a:chExt cx="11700218" cy="4146919"/>
+          </a:xfrm>
+        </p:grpSpPr>
+        <p:pic>
+          <p:nvPicPr>
+            <p:cNvPr id="7" name="图片 6"/>
+            <p:cNvPicPr>
+              <a:picLocks noChangeAspect="1"/>
+            </p:cNvPicPr>
+            <p:nvPr/>
+          </p:nvPicPr>
+          <p:blipFill>
+            <a:blip r:embed="rId3">
+              <a:extLst>
+                <a:ext uri="{28A0092B-C50C-407E-A947-70E740481C1C}">
+                  <a14:useLocalDpi xmlns:a14="http://schemas.microsoft.com/office/drawing/2010/main" val="0"/>
+                </a:ext>
+              </a:extLst>
+            </a:blip>
+            <a:stretch>
+              <a:fillRect/>
+            </a:stretch>
+          </p:blipFill>
+          <p:spPr>
+            <a:xfrm>
+              <a:off x="245890" y="1086395"/>
+              <a:ext cx="11700218" cy="2816098"/>
+            </a:xfrm>
+            <a:prstGeom prst="rect">
+              <a:avLst/>
+            </a:prstGeom>
+          </p:spPr>
+        </p:pic>
+        <p:sp>
+          <p:nvSpPr>
+            <p:cNvPr id="9" name="文本框 8"/>
+            <p:cNvSpPr txBox="1"/>
+            <p:nvPr/>
+          </p:nvSpPr>
+          <p:spPr>
+            <a:xfrm>
+              <a:off x="836212" y="4032985"/>
+              <a:ext cx="10519575" cy="1200329"/>
+            </a:xfrm>
+            <a:prstGeom prst="rect">
+              <a:avLst/>
+            </a:prstGeom>
+            <a:noFill/>
+          </p:spPr>
+          <p:txBody>
+            <a:bodyPr wrap="square" rtlCol="0">
+              <a:spAutoFit/>
+            </a:bodyPr>
+            <a:lstStyle/>
+            <a:p>
+              <a:pPr algn="ctr"/>
+              <a:r>
+                <a:rPr lang="en-US" altLang="zh-CN" b="1" dirty="0">
+                  <a:latin typeface="Times New Roman" panose="02020603050405020304" pitchFamily="18" charset="0"/>
+                  <a:cs typeface="Times New Roman" panose="02020603050405020304" pitchFamily="18" charset="0"/>
+                </a:rPr>
+                <a:t>A brief illustration for the technical evolution of GPT-series models. </a:t>
+              </a:r>
+              <a:r>
+                <a:rPr lang="en-US" altLang="zh-CN" dirty="0">
+                  <a:latin typeface="Times New Roman" panose="02020603050405020304" pitchFamily="18" charset="0"/>
+                  <a:cs typeface="Times New Roman" panose="02020603050405020304" pitchFamily="18" charset="0"/>
+                </a:rPr>
+                <a:t>We plot this figure mainly based on the papers, blog articles and official APIs from </a:t>
+              </a:r>
+              <a:r>
+                <a:rPr lang="en-US" altLang="zh-CN" dirty="0" err="1">
+                  <a:latin typeface="Times New Roman" panose="02020603050405020304" pitchFamily="18" charset="0"/>
+                  <a:cs typeface="Times New Roman" panose="02020603050405020304" pitchFamily="18" charset="0"/>
+                </a:rPr>
+                <a:t>OpenAI</a:t>
+              </a:r>
+              <a:r>
+                <a:rPr lang="en-US" altLang="zh-CN" dirty="0">
+                  <a:latin typeface="Times New Roman" panose="02020603050405020304" pitchFamily="18" charset="0"/>
+                  <a:cs typeface="Times New Roman" panose="02020603050405020304" pitchFamily="18" charset="0"/>
+                </a:rPr>
+                <a:t>. Here, </a:t>
+              </a:r>
+              <a:r>
+                <a:rPr lang="en-US" altLang="zh-CN" u="sng" dirty="0">
+                  <a:latin typeface="Times New Roman" panose="02020603050405020304" pitchFamily="18" charset="0"/>
+                  <a:cs typeface="Times New Roman" panose="02020603050405020304" pitchFamily="18" charset="0"/>
+                </a:rPr>
+                <a:t>solid lines </a:t>
+              </a:r>
+              <a:r>
+                <a:rPr lang="en-US" altLang="zh-CN" dirty="0">
+                  <a:latin typeface="Times New Roman" panose="02020603050405020304" pitchFamily="18" charset="0"/>
+                  <a:cs typeface="Times New Roman" panose="02020603050405020304" pitchFamily="18" charset="0"/>
+                </a:rPr>
+                <a:t>denote that there exists an explicit evidence (e.g., the official statement that a new model is developed based on a base model) on the evolution path between two models, while </a:t>
+              </a:r>
+              <a:r>
+                <a:rPr lang="en-US" altLang="zh-CN" u="sng" dirty="0">
+                  <a:latin typeface="Times New Roman" panose="02020603050405020304" pitchFamily="18" charset="0"/>
+                  <a:cs typeface="Times New Roman" panose="02020603050405020304" pitchFamily="18" charset="0"/>
+                </a:rPr>
+                <a:t>dashed lines </a:t>
+              </a:r>
+              <a:r>
+                <a:rPr lang="en-US" altLang="zh-CN" dirty="0">
+                  <a:latin typeface="Times New Roman" panose="02020603050405020304" pitchFamily="18" charset="0"/>
+                  <a:cs typeface="Times New Roman" panose="02020603050405020304" pitchFamily="18" charset="0"/>
+                </a:rPr>
+                <a:t>denote a relatively weaker evolution </a:t>
+              </a:r>
+              <a:r>
+                <a:rPr lang="en-US" altLang="zh-CN" dirty="0" smtClean="0">
+                  <a:latin typeface="Times New Roman" panose="02020603050405020304" pitchFamily="18" charset="0"/>
+                  <a:cs typeface="Times New Roman" panose="02020603050405020304" pitchFamily="18" charset="0"/>
+                </a:rPr>
+                <a:t>relation (</a:t>
+              </a:r>
+              <a:r>
+                <a:rPr lang="en-US" altLang="zh-CN" dirty="0" smtClean="0">
+                  <a:solidFill>
+                    <a:schemeClr val="accent1"/>
+                  </a:solidFill>
+                  <a:latin typeface="Times New Roman" panose="02020603050405020304" pitchFamily="18" charset="0"/>
+                  <a:cs typeface="Times New Roman" panose="02020603050405020304" pitchFamily="18" charset="0"/>
+                </a:rPr>
+                <a:t>Zhao </a:t>
+              </a:r>
+              <a:r>
+                <a:rPr lang="en-US" altLang="zh-CN" dirty="0">
+                  <a:solidFill>
+                    <a:schemeClr val="accent1"/>
+                  </a:solidFill>
+                  <a:latin typeface="Times New Roman" panose="02020603050405020304" pitchFamily="18" charset="0"/>
+                  <a:cs typeface="Times New Roman" panose="02020603050405020304" pitchFamily="18" charset="0"/>
+                </a:rPr>
+                <a:t>et al., 2023</a:t>
+              </a:r>
+              <a:r>
+                <a:rPr lang="en-US" altLang="zh-CN" dirty="0">
+                  <a:latin typeface="Times New Roman" panose="02020603050405020304" pitchFamily="18" charset="0"/>
+                  <a:cs typeface="Times New Roman" panose="02020603050405020304" pitchFamily="18" charset="0"/>
+                </a:rPr>
+                <a:t>).</a:t>
+              </a:r>
+              <a:endParaRPr lang="zh-CN" altLang="en-US" dirty="0">
+                <a:latin typeface="Times New Roman" panose="02020603050405020304" pitchFamily="18" charset="0"/>
+                <a:cs typeface="Times New Roman" panose="02020603050405020304" pitchFamily="18" charset="0"/>
+              </a:endParaRPr>
+            </a:p>
+          </p:txBody>
+        </p:sp>
+      </p:grpSp>
+    </p:spTree>
+    <p:extLst>
+      <p:ext uri="{BB962C8B-B14F-4D97-AF65-F5344CB8AC3E}">
+        <p14:creationId xmlns:p14="http://schemas.microsoft.com/office/powerpoint/2010/main" val="3444788895"/>
       </p:ext>
     </p:extLst>
   </p:cSld>
